--- a/Slides/05. Criação de Funções.pptx
+++ b/Slides/05. Criação de Funções.pptx
@@ -158,22 +158,13 @@
 <file path=ppt/revisionInfo.xml><?xml version="1.0" encoding="utf-8"?>
 <p1510:revInfo xmlns:a="http://schemas.openxmlformats.org/drawingml/2006/main" xmlns:r="http://schemas.openxmlformats.org/officeDocument/2006/relationships" xmlns:p1510="http://schemas.microsoft.com/office/powerpoint/2015/10/main">
   <p1510:revLst>
-    <p1510:client id="{BB11BC2C-2426-4732-89BE-B5EDFFA0F3C1}" v="3" dt="2019-10-03T21:08:41.181"/>
+    <p1510:client id="{2AC12CA8-85B8-44EB-A0F8-78E6E3C5937A}" v="2" dt="2021-03-12T03:18:13.196"/>
   </p1510:revLst>
 </p1510:revInfo>
 </file>
 
 <file path=ppt/changesInfos/changesInfo1.xml><?xml version="1.0" encoding="utf-8"?>
 <pc:chgInfo xmlns:a="http://schemas.openxmlformats.org/drawingml/2006/main" xmlns:r="http://schemas.openxmlformats.org/officeDocument/2006/relationships" xmlns:ac="http://schemas.microsoft.com/office/drawing/2013/main/command" xmlns:pc="http://schemas.microsoft.com/office/powerpoint/2013/main/command">
-  <pc:docChgLst>
-    <pc:chgData name="Judson Santiago" userId="ebb108da2f256286" providerId="LiveId" clId="{CF473A09-6602-4FAD-ACD8-891C9C9A9A1C}"/>
-  </pc:docChgLst>
-  <pc:docChgLst>
-    <pc:chgData name="Judson Santiago" userId="ebb108da2f256286" providerId="LiveId" clId="{3BFC68E5-0E02-4E2F-9F1C-5DF0CE8C126D}"/>
-  </pc:docChgLst>
-  <pc:docChgLst>
-    <pc:chgData name="Judson Santiago" userId="ebb108da2f256286" providerId="LiveId" clId="{6E86AB9F-E0F3-471D-ADE8-B668D0E9CCAF}"/>
-  </pc:docChgLst>
   <pc:docChgLst>
     <pc:chgData name="Judson Santiago" userId="ebb108da2f256286" providerId="LiveId" clId="{BB11BC2C-2426-4732-89BE-B5EDFFA0F3C1}"/>
     <pc:docChg chg="undo custSel modSld">
@@ -412,6 +403,338 @@
       </pc:sldChg>
     </pc:docChg>
   </pc:docChgLst>
+  <pc:docChgLst>
+    <pc:chgData name="Judson Santiago" userId="ebb108da2f256286" providerId="LiveId" clId="{2AC12CA8-85B8-44EB-A0F8-78E6E3C5937A}"/>
+    <pc:docChg chg="undo redo custSel modSld">
+      <pc:chgData name="Judson Santiago" userId="ebb108da2f256286" providerId="LiveId" clId="{2AC12CA8-85B8-44EB-A0F8-78E6E3C5937A}" dt="2021-03-12T04:05:38.902" v="198" actId="20577"/>
+      <pc:docMkLst>
+        <pc:docMk/>
+      </pc:docMkLst>
+      <pc:sldChg chg="modSp mod">
+        <pc:chgData name="Judson Santiago" userId="ebb108da2f256286" providerId="LiveId" clId="{2AC12CA8-85B8-44EB-A0F8-78E6E3C5937A}" dt="2021-03-12T03:23:46.366" v="86" actId="1038"/>
+        <pc:sldMkLst>
+          <pc:docMk/>
+          <pc:sldMk cId="0" sldId="273"/>
+        </pc:sldMkLst>
+        <pc:spChg chg="mod">
+          <ac:chgData name="Judson Santiago" userId="ebb108da2f256286" providerId="LiveId" clId="{2AC12CA8-85B8-44EB-A0F8-78E6E3C5937A}" dt="2021-03-12T03:23:24.437" v="43" actId="20577"/>
+          <ac:spMkLst>
+            <pc:docMk/>
+            <pc:sldMk cId="0" sldId="273"/>
+            <ac:spMk id="3" creationId="{00000000-0000-0000-0000-000000000000}"/>
+          </ac:spMkLst>
+        </pc:spChg>
+        <pc:spChg chg="mod">
+          <ac:chgData name="Judson Santiago" userId="ebb108da2f256286" providerId="LiveId" clId="{2AC12CA8-85B8-44EB-A0F8-78E6E3C5937A}" dt="2021-03-12T03:23:46.366" v="86" actId="1038"/>
+          <ac:spMkLst>
+            <pc:docMk/>
+            <pc:sldMk cId="0" sldId="273"/>
+            <ac:spMk id="5" creationId="{00000000-0000-0000-0000-000000000000}"/>
+          </ac:spMkLst>
+        </pc:spChg>
+      </pc:sldChg>
+      <pc:sldChg chg="modSp mod">
+        <pc:chgData name="Judson Santiago" userId="ebb108da2f256286" providerId="LiveId" clId="{2AC12CA8-85B8-44EB-A0F8-78E6E3C5937A}" dt="2021-03-12T03:24:46.935" v="94" actId="6549"/>
+        <pc:sldMkLst>
+          <pc:docMk/>
+          <pc:sldMk cId="0" sldId="274"/>
+        </pc:sldMkLst>
+        <pc:spChg chg="mod">
+          <ac:chgData name="Judson Santiago" userId="ebb108da2f256286" providerId="LiveId" clId="{2AC12CA8-85B8-44EB-A0F8-78E6E3C5937A}" dt="2021-03-12T03:24:20.694" v="87" actId="20577"/>
+          <ac:spMkLst>
+            <pc:docMk/>
+            <pc:sldMk cId="0" sldId="274"/>
+            <ac:spMk id="3" creationId="{00000000-0000-0000-0000-000000000000}"/>
+          </ac:spMkLst>
+        </pc:spChg>
+        <pc:spChg chg="mod">
+          <ac:chgData name="Judson Santiago" userId="ebb108da2f256286" providerId="LiveId" clId="{2AC12CA8-85B8-44EB-A0F8-78E6E3C5937A}" dt="2021-03-12T03:24:46.935" v="94" actId="6549"/>
+          <ac:spMkLst>
+            <pc:docMk/>
+            <pc:sldMk cId="0" sldId="274"/>
+            <ac:spMk id="4" creationId="{00000000-0000-0000-0000-000000000000}"/>
+          </ac:spMkLst>
+        </pc:spChg>
+      </pc:sldChg>
+      <pc:sldChg chg="addSp delSp modSp mod">
+        <pc:chgData name="Judson Santiago" userId="ebb108da2f256286" providerId="LiveId" clId="{2AC12CA8-85B8-44EB-A0F8-78E6E3C5937A}" dt="2021-03-12T03:31:15.212" v="182" actId="20577"/>
+        <pc:sldMkLst>
+          <pc:docMk/>
+          <pc:sldMk cId="0" sldId="277"/>
+        </pc:sldMkLst>
+        <pc:spChg chg="mod">
+          <ac:chgData name="Judson Santiago" userId="ebb108da2f256286" providerId="LiveId" clId="{2AC12CA8-85B8-44EB-A0F8-78E6E3C5937A}" dt="2021-03-12T03:31:15.212" v="182" actId="20577"/>
+          <ac:spMkLst>
+            <pc:docMk/>
+            <pc:sldMk cId="0" sldId="277"/>
+            <ac:spMk id="3" creationId="{00000000-0000-0000-0000-000000000000}"/>
+          </ac:spMkLst>
+        </pc:spChg>
+        <pc:spChg chg="add del mod">
+          <ac:chgData name="Judson Santiago" userId="ebb108da2f256286" providerId="LiveId" clId="{2AC12CA8-85B8-44EB-A0F8-78E6E3C5937A}" dt="2021-03-12T03:30:52.792" v="155" actId="1076"/>
+          <ac:spMkLst>
+            <pc:docMk/>
+            <pc:sldMk cId="0" sldId="277"/>
+            <ac:spMk id="5" creationId="{BA603D38-FE9B-428A-AA81-4C378B25ED37}"/>
+          </ac:spMkLst>
+        </pc:spChg>
+      </pc:sldChg>
+      <pc:sldChg chg="modSp mod">
+        <pc:chgData name="Judson Santiago" userId="ebb108da2f256286" providerId="LiveId" clId="{2AC12CA8-85B8-44EB-A0F8-78E6E3C5937A}" dt="2021-03-12T02:58:27.368" v="2" actId="20577"/>
+        <pc:sldMkLst>
+          <pc:docMk/>
+          <pc:sldMk cId="1267778192" sldId="290"/>
+        </pc:sldMkLst>
+        <pc:spChg chg="mod">
+          <ac:chgData name="Judson Santiago" userId="ebb108da2f256286" providerId="LiveId" clId="{2AC12CA8-85B8-44EB-A0F8-78E6E3C5937A}" dt="2021-03-12T02:58:27.368" v="2" actId="20577"/>
+          <ac:spMkLst>
+            <pc:docMk/>
+            <pc:sldMk cId="1267778192" sldId="290"/>
+            <ac:spMk id="3" creationId="{00000000-0000-0000-0000-000000000000}"/>
+          </ac:spMkLst>
+        </pc:spChg>
+      </pc:sldChg>
+      <pc:sldChg chg="modSp mod">
+        <pc:chgData name="Judson Santiago" userId="ebb108da2f256286" providerId="LiveId" clId="{2AC12CA8-85B8-44EB-A0F8-78E6E3C5937A}" dt="2021-03-12T03:04:11.153" v="6" actId="1036"/>
+        <pc:sldMkLst>
+          <pc:docMk/>
+          <pc:sldMk cId="1216828882" sldId="308"/>
+        </pc:sldMkLst>
+        <pc:spChg chg="mod">
+          <ac:chgData name="Judson Santiago" userId="ebb108da2f256286" providerId="LiveId" clId="{2AC12CA8-85B8-44EB-A0F8-78E6E3C5937A}" dt="2021-03-12T03:04:11.153" v="6" actId="1036"/>
+          <ac:spMkLst>
+            <pc:docMk/>
+            <pc:sldMk cId="1216828882" sldId="308"/>
+            <ac:spMk id="4" creationId="{00000000-0000-0000-0000-000000000000}"/>
+          </ac:spMkLst>
+        </pc:spChg>
+      </pc:sldChg>
+      <pc:sldChg chg="modSp mod">
+        <pc:chgData name="Judson Santiago" userId="ebb108da2f256286" providerId="LiveId" clId="{2AC12CA8-85B8-44EB-A0F8-78E6E3C5937A}" dt="2021-03-12T03:05:35.062" v="8" actId="207"/>
+        <pc:sldMkLst>
+          <pc:docMk/>
+          <pc:sldMk cId="2974854997" sldId="309"/>
+        </pc:sldMkLst>
+        <pc:spChg chg="mod">
+          <ac:chgData name="Judson Santiago" userId="ebb108da2f256286" providerId="LiveId" clId="{2AC12CA8-85B8-44EB-A0F8-78E6E3C5937A}" dt="2021-03-12T03:05:35.062" v="8" actId="207"/>
+          <ac:spMkLst>
+            <pc:docMk/>
+            <pc:sldMk cId="2974854997" sldId="309"/>
+            <ac:spMk id="3" creationId="{00000000-0000-0000-0000-000000000000}"/>
+          </ac:spMkLst>
+        </pc:spChg>
+        <pc:spChg chg="mod">
+          <ac:chgData name="Judson Santiago" userId="ebb108da2f256286" providerId="LiveId" clId="{2AC12CA8-85B8-44EB-A0F8-78E6E3C5937A}" dt="2021-03-12T03:05:08.761" v="7" actId="207"/>
+          <ac:spMkLst>
+            <pc:docMk/>
+            <pc:sldMk cId="2974854997" sldId="309"/>
+            <ac:spMk id="4" creationId="{00000000-0000-0000-0000-000000000000}"/>
+          </ac:spMkLst>
+        </pc:spChg>
+      </pc:sldChg>
+      <pc:sldChg chg="modSp mod">
+        <pc:chgData name="Judson Santiago" userId="ebb108da2f256286" providerId="LiveId" clId="{2AC12CA8-85B8-44EB-A0F8-78E6E3C5937A}" dt="2021-03-12T03:07:30.039" v="12" actId="6549"/>
+        <pc:sldMkLst>
+          <pc:docMk/>
+          <pc:sldMk cId="4288688608" sldId="315"/>
+        </pc:sldMkLst>
+        <pc:spChg chg="mod">
+          <ac:chgData name="Judson Santiago" userId="ebb108da2f256286" providerId="LiveId" clId="{2AC12CA8-85B8-44EB-A0F8-78E6E3C5937A}" dt="2021-03-12T03:07:30.039" v="12" actId="6549"/>
+          <ac:spMkLst>
+            <pc:docMk/>
+            <pc:sldMk cId="4288688608" sldId="315"/>
+            <ac:spMk id="3" creationId="{00000000-0000-0000-0000-000000000000}"/>
+          </ac:spMkLst>
+        </pc:spChg>
+      </pc:sldChg>
+      <pc:sldChg chg="addSp delSp modSp mod modNotesTx">
+        <pc:chgData name="Judson Santiago" userId="ebb108da2f256286" providerId="LiveId" clId="{2AC12CA8-85B8-44EB-A0F8-78E6E3C5937A}" dt="2021-03-12T03:22:21.301" v="33" actId="14100"/>
+        <pc:sldMkLst>
+          <pc:docMk/>
+          <pc:sldMk cId="1392560579" sldId="327"/>
+        </pc:sldMkLst>
+        <pc:spChg chg="mod topLvl">
+          <ac:chgData name="Judson Santiago" userId="ebb108da2f256286" providerId="LiveId" clId="{2AC12CA8-85B8-44EB-A0F8-78E6E3C5937A}" dt="2021-03-12T03:20:19.440" v="30" actId="404"/>
+          <ac:spMkLst>
+            <pc:docMk/>
+            <pc:sldMk cId="1392560579" sldId="327"/>
+            <ac:spMk id="4" creationId="{00000000-0000-0000-0000-000000000000}"/>
+          </ac:spMkLst>
+        </pc:spChg>
+        <pc:spChg chg="mod topLvl">
+          <ac:chgData name="Judson Santiago" userId="ebb108da2f256286" providerId="LiveId" clId="{2AC12CA8-85B8-44EB-A0F8-78E6E3C5937A}" dt="2021-03-12T03:19:39.688" v="28" actId="404"/>
+          <ac:spMkLst>
+            <pc:docMk/>
+            <pc:sldMk cId="1392560579" sldId="327"/>
+            <ac:spMk id="9" creationId="{00000000-0000-0000-0000-000000000000}"/>
+          </ac:spMkLst>
+        </pc:spChg>
+        <pc:spChg chg="mod topLvl">
+          <ac:chgData name="Judson Santiago" userId="ebb108da2f256286" providerId="LiveId" clId="{2AC12CA8-85B8-44EB-A0F8-78E6E3C5937A}" dt="2021-03-12T03:18:13.196" v="21" actId="165"/>
+          <ac:spMkLst>
+            <pc:docMk/>
+            <pc:sldMk cId="1392560579" sldId="327"/>
+            <ac:spMk id="14" creationId="{00000000-0000-0000-0000-000000000000}"/>
+          </ac:spMkLst>
+        </pc:spChg>
+        <pc:spChg chg="mod topLvl">
+          <ac:chgData name="Judson Santiago" userId="ebb108da2f256286" providerId="LiveId" clId="{2AC12CA8-85B8-44EB-A0F8-78E6E3C5937A}" dt="2021-03-12T03:20:19.440" v="30" actId="404"/>
+          <ac:spMkLst>
+            <pc:docMk/>
+            <pc:sldMk cId="1392560579" sldId="327"/>
+            <ac:spMk id="15" creationId="{00000000-0000-0000-0000-000000000000}"/>
+          </ac:spMkLst>
+        </pc:spChg>
+        <pc:spChg chg="mod topLvl">
+          <ac:chgData name="Judson Santiago" userId="ebb108da2f256286" providerId="LiveId" clId="{2AC12CA8-85B8-44EB-A0F8-78E6E3C5937A}" dt="2021-03-12T03:19:39.688" v="28" actId="404"/>
+          <ac:spMkLst>
+            <pc:docMk/>
+            <pc:sldMk cId="1392560579" sldId="327"/>
+            <ac:spMk id="18" creationId="{00000000-0000-0000-0000-000000000000}"/>
+          </ac:spMkLst>
+        </pc:spChg>
+        <pc:spChg chg="mod topLvl">
+          <ac:chgData name="Judson Santiago" userId="ebb108da2f256286" providerId="LiveId" clId="{2AC12CA8-85B8-44EB-A0F8-78E6E3C5937A}" dt="2021-03-12T03:18:39.996" v="23" actId="108"/>
+          <ac:spMkLst>
+            <pc:docMk/>
+            <pc:sldMk cId="1392560579" sldId="327"/>
+            <ac:spMk id="19" creationId="{00000000-0000-0000-0000-000000000000}"/>
+          </ac:spMkLst>
+        </pc:spChg>
+        <pc:spChg chg="mod topLvl">
+          <ac:chgData name="Judson Santiago" userId="ebb108da2f256286" providerId="LiveId" clId="{2AC12CA8-85B8-44EB-A0F8-78E6E3C5937A}" dt="2021-03-12T03:19:39.688" v="28" actId="404"/>
+          <ac:spMkLst>
+            <pc:docMk/>
+            <pc:sldMk cId="1392560579" sldId="327"/>
+            <ac:spMk id="20" creationId="{00000000-0000-0000-0000-000000000000}"/>
+          </ac:spMkLst>
+        </pc:spChg>
+        <pc:spChg chg="mod topLvl">
+          <ac:chgData name="Judson Santiago" userId="ebb108da2f256286" providerId="LiveId" clId="{2AC12CA8-85B8-44EB-A0F8-78E6E3C5937A}" dt="2021-03-12T03:22:00.196" v="31" actId="14100"/>
+          <ac:spMkLst>
+            <pc:docMk/>
+            <pc:sldMk cId="1392560579" sldId="327"/>
+            <ac:spMk id="21" creationId="{00000000-0000-0000-0000-000000000000}"/>
+          </ac:spMkLst>
+        </pc:spChg>
+        <pc:spChg chg="mod topLvl">
+          <ac:chgData name="Judson Santiago" userId="ebb108da2f256286" providerId="LiveId" clId="{2AC12CA8-85B8-44EB-A0F8-78E6E3C5937A}" dt="2021-03-12T03:22:21.301" v="33" actId="14100"/>
+          <ac:spMkLst>
+            <pc:docMk/>
+            <pc:sldMk cId="1392560579" sldId="327"/>
+            <ac:spMk id="22" creationId="{00000000-0000-0000-0000-000000000000}"/>
+          </ac:spMkLst>
+        </pc:spChg>
+        <pc:spChg chg="mod">
+          <ac:chgData name="Judson Santiago" userId="ebb108da2f256286" providerId="LiveId" clId="{2AC12CA8-85B8-44EB-A0F8-78E6E3C5937A}" dt="2021-03-12T03:09:53.765" v="16"/>
+          <ac:spMkLst>
+            <pc:docMk/>
+            <pc:sldMk cId="1392560579" sldId="327"/>
+            <ac:spMk id="24" creationId="{7A7053C8-9CF6-4C55-A3BB-5EDAF145B3C4}"/>
+          </ac:spMkLst>
+        </pc:spChg>
+        <pc:spChg chg="mod">
+          <ac:chgData name="Judson Santiago" userId="ebb108da2f256286" providerId="LiveId" clId="{2AC12CA8-85B8-44EB-A0F8-78E6E3C5937A}" dt="2021-03-12T03:09:53.765" v="16"/>
+          <ac:spMkLst>
+            <pc:docMk/>
+            <pc:sldMk cId="1392560579" sldId="327"/>
+            <ac:spMk id="25" creationId="{00AEA6D4-B769-4B27-ACC5-4F888AB2EB35}"/>
+          </ac:spMkLst>
+        </pc:spChg>
+        <pc:spChg chg="mod">
+          <ac:chgData name="Judson Santiago" userId="ebb108da2f256286" providerId="LiveId" clId="{2AC12CA8-85B8-44EB-A0F8-78E6E3C5937A}" dt="2021-03-12T03:09:44.024" v="14"/>
+          <ac:spMkLst>
+            <pc:docMk/>
+            <pc:sldMk cId="1392560579" sldId="327"/>
+            <ac:spMk id="26" creationId="{D097C59C-C278-4599-94AD-481F211663F4}"/>
+          </ac:spMkLst>
+        </pc:spChg>
+        <pc:grpChg chg="del">
+          <ac:chgData name="Judson Santiago" userId="ebb108da2f256286" providerId="LiveId" clId="{2AC12CA8-85B8-44EB-A0F8-78E6E3C5937A}" dt="2021-03-12T03:18:13.196" v="21" actId="165"/>
+          <ac:grpSpMkLst>
+            <pc:docMk/>
+            <pc:sldMk cId="1392560579" sldId="327"/>
+            <ac:grpSpMk id="5" creationId="{E29FAFC3-173F-415E-B9D9-4FA8D803AF79}"/>
+          </ac:grpSpMkLst>
+        </pc:grpChg>
+        <pc:grpChg chg="del">
+          <ac:chgData name="Judson Santiago" userId="ebb108da2f256286" providerId="LiveId" clId="{2AC12CA8-85B8-44EB-A0F8-78E6E3C5937A}" dt="2021-03-12T03:09:52.859" v="15" actId="478"/>
+          <ac:grpSpMkLst>
+            <pc:docMk/>
+            <pc:sldMk cId="1392560579" sldId="327"/>
+            <ac:grpSpMk id="16" creationId="{B7D8CE55-8C44-4B31-86FA-08FCF3C0FA45}"/>
+          </ac:grpSpMkLst>
+        </pc:grpChg>
+        <pc:grpChg chg="add mod">
+          <ac:chgData name="Judson Santiago" userId="ebb108da2f256286" providerId="LiveId" clId="{2AC12CA8-85B8-44EB-A0F8-78E6E3C5937A}" dt="2021-03-12T03:09:53.765" v="16"/>
+          <ac:grpSpMkLst>
+            <pc:docMk/>
+            <pc:sldMk cId="1392560579" sldId="327"/>
+            <ac:grpSpMk id="23" creationId="{F38EC596-4D86-4658-A014-E0EA3B247D72}"/>
+          </ac:grpSpMkLst>
+        </pc:grpChg>
+      </pc:sldChg>
+      <pc:sldChg chg="modNotesTx">
+        <pc:chgData name="Judson Santiago" userId="ebb108da2f256286" providerId="LiveId" clId="{2AC12CA8-85B8-44EB-A0F8-78E6E3C5937A}" dt="2021-03-12T04:04:58.503" v="187" actId="20577"/>
+        <pc:sldMkLst>
+          <pc:docMk/>
+          <pc:sldMk cId="3897486009" sldId="329"/>
+        </pc:sldMkLst>
+      </pc:sldChg>
+      <pc:sldChg chg="modSp mod">
+        <pc:chgData name="Judson Santiago" userId="ebb108da2f256286" providerId="LiveId" clId="{2AC12CA8-85B8-44EB-A0F8-78E6E3C5937A}" dt="2021-03-12T03:25:34.998" v="95" actId="20577"/>
+        <pc:sldMkLst>
+          <pc:docMk/>
+          <pc:sldMk cId="3468942422" sldId="331"/>
+        </pc:sldMkLst>
+        <pc:spChg chg="mod">
+          <ac:chgData name="Judson Santiago" userId="ebb108da2f256286" providerId="LiveId" clId="{2AC12CA8-85B8-44EB-A0F8-78E6E3C5937A}" dt="2021-03-12T03:25:34.998" v="95" actId="20577"/>
+          <ac:spMkLst>
+            <pc:docMk/>
+            <pc:sldMk cId="3468942422" sldId="331"/>
+            <ac:spMk id="3" creationId="{00000000-0000-0000-0000-000000000000}"/>
+          </ac:spMkLst>
+        </pc:spChg>
+      </pc:sldChg>
+      <pc:sldChg chg="modNotesTx">
+        <pc:chgData name="Judson Santiago" userId="ebb108da2f256286" providerId="LiveId" clId="{2AC12CA8-85B8-44EB-A0F8-78E6E3C5937A}" dt="2021-03-12T04:05:38.902" v="198" actId="20577"/>
+        <pc:sldMkLst>
+          <pc:docMk/>
+          <pc:sldMk cId="531465550" sldId="332"/>
+        </pc:sldMkLst>
+      </pc:sldChg>
+      <pc:sldChg chg="modSp mod">
+        <pc:chgData name="Judson Santiago" userId="ebb108da2f256286" providerId="LiveId" clId="{2AC12CA8-85B8-44EB-A0F8-78E6E3C5937A}" dt="2021-03-12T03:26:27.605" v="96" actId="20577"/>
+        <pc:sldMkLst>
+          <pc:docMk/>
+          <pc:sldMk cId="1480847060" sldId="333"/>
+        </pc:sldMkLst>
+        <pc:spChg chg="mod">
+          <ac:chgData name="Judson Santiago" userId="ebb108da2f256286" providerId="LiveId" clId="{2AC12CA8-85B8-44EB-A0F8-78E6E3C5937A}" dt="2021-03-12T03:26:27.605" v="96" actId="20577"/>
+          <ac:spMkLst>
+            <pc:docMk/>
+            <pc:sldMk cId="1480847060" sldId="333"/>
+            <ac:spMk id="3" creationId="{00000000-0000-0000-0000-000000000000}"/>
+          </ac:spMkLst>
+        </pc:spChg>
+      </pc:sldChg>
+      <pc:sldChg chg="modSp mod">
+        <pc:chgData name="Judson Santiago" userId="ebb108da2f256286" providerId="LiveId" clId="{2AC12CA8-85B8-44EB-A0F8-78E6E3C5937A}" dt="2021-03-12T03:28:43.805" v="97" actId="20577"/>
+        <pc:sldMkLst>
+          <pc:docMk/>
+          <pc:sldMk cId="2832530338" sldId="334"/>
+        </pc:sldMkLst>
+        <pc:spChg chg="mod">
+          <ac:chgData name="Judson Santiago" userId="ebb108da2f256286" providerId="LiveId" clId="{2AC12CA8-85B8-44EB-A0F8-78E6E3C5937A}" dt="2021-03-12T03:28:43.805" v="97" actId="20577"/>
+          <ac:spMkLst>
+            <pc:docMk/>
+            <pc:sldMk cId="2832530338" sldId="334"/>
+            <ac:spMk id="3" creationId="{00000000-0000-0000-0000-000000000000}"/>
+          </ac:spMkLst>
+        </pc:spChg>
+      </pc:sldChg>
+    </pc:docChg>
+  </pc:docChgLst>
 </pc:chgInfo>
 </file>
 
@@ -498,7 +821,7 @@
             <a:fld id="{16AEA49D-2535-4933-B734-2986998DA04B}" type="datetimeFigureOut">
               <a:rPr lang="pt-BR" smtClean="0"/>
               <a:pPr/>
-              <a:t>03/10/2019</a:t>
+              <a:t>12/03/2021</a:t>
             </a:fld>
             <a:endParaRPr lang="pt-BR"/>
           </a:p>
@@ -1119,7 +1442,7 @@
                   <a:schemeClr val="bg1"/>
                 </a:solidFill>
               </a:rPr>
-              <a:t>» Acompanhar a execução no depurador (Aula05Ex04.cpp)</a:t>
+              <a:t>» Acompanhar a execução no depurador (LocalGlobal.cpp)</a:t>
             </a:r>
             <a:endParaRPr lang="pt-BR" dirty="0"/>
           </a:p>
@@ -1670,6 +1993,14 @@
           <a:lstStyle/>
           <a:p>
             <a:r>
+              <a:rPr lang="pt-BR" sz="1200" dirty="0">
+                <a:solidFill>
+                  <a:schemeClr val="bg1"/>
+                </a:solidFill>
+              </a:rPr>
+              <a:t>»</a:t>
+            </a:r>
+            <a:r>
               <a:rPr lang="pt-BR" sz="1200" b="0" i="0" kern="1200" dirty="0">
                 <a:solidFill>
                   <a:schemeClr val="tx1"/>
@@ -1679,7 +2010,7 @@
                 <a:ea typeface="+mn-ea"/>
                 <a:cs typeface="+mn-cs"/>
               </a:rPr>
-              <a:t>* Blog:</a:t>
+              <a:t> Blog:</a:t>
             </a:r>
             <a:r>
               <a:rPr lang="pt-BR" sz="1200" b="0" i="0" kern="1200" baseline="0" dirty="0">
@@ -1829,19 +2160,11 @@
             </a:r>
             <a:r>
               <a:rPr lang="pt-BR" baseline="0" dirty="0"/>
-              <a:t> </a:t>
-            </a:r>
-            <a:r>
-              <a:rPr lang="pt-BR" baseline="0" dirty="0" err="1"/>
-              <a:t>Into</a:t>
-            </a:r>
-            <a:r>
-              <a:rPr lang="pt-BR" baseline="0" dirty="0"/>
-              <a:t> (</a:t>
+              <a:t> Into (</a:t>
             </a:r>
             <a:r>
               <a:rPr lang="pt-BR" dirty="0"/>
-              <a:t>Aula05Ex02.cpp)</a:t>
+              <a:t>Media.cpp)</a:t>
             </a:r>
           </a:p>
           <a:p>
@@ -2033,7 +2356,7 @@
             <a:fld id="{10D83AF5-3A59-46F5-8FEC-BB3944BF9F51}" type="datetimeFigureOut">
               <a:rPr lang="pt-BR" smtClean="0"/>
               <a:pPr/>
-              <a:t>03/10/2019</a:t>
+              <a:t>12/03/2021</a:t>
             </a:fld>
             <a:endParaRPr lang="pt-BR"/>
           </a:p>
@@ -2588,7 +2911,7 @@
             <a:fld id="{10D83AF5-3A59-46F5-8FEC-BB3944BF9F51}" type="datetimeFigureOut">
               <a:rPr lang="pt-BR" smtClean="0"/>
               <a:pPr/>
-              <a:t>03/10/2019</a:t>
+              <a:t>12/03/2021</a:t>
             </a:fld>
             <a:endParaRPr lang="pt-BR"/>
           </a:p>
@@ -2765,7 +3088,7 @@
             <a:fld id="{10D83AF5-3A59-46F5-8FEC-BB3944BF9F51}" type="datetimeFigureOut">
               <a:rPr lang="pt-BR" smtClean="0"/>
               <a:pPr/>
-              <a:t>03/10/2019</a:t>
+              <a:t>12/03/2021</a:t>
             </a:fld>
             <a:endParaRPr lang="pt-BR"/>
           </a:p>
@@ -2932,7 +3255,7 @@
             <a:fld id="{10D83AF5-3A59-46F5-8FEC-BB3944BF9F51}" type="datetimeFigureOut">
               <a:rPr lang="pt-BR" smtClean="0"/>
               <a:pPr/>
-              <a:t>03/10/2019</a:t>
+              <a:t>12/03/2021</a:t>
             </a:fld>
             <a:endParaRPr lang="pt-BR"/>
           </a:p>
@@ -4381,7 +4704,7 @@
             <a:fld id="{10D83AF5-3A59-46F5-8FEC-BB3944BF9F51}" type="datetimeFigureOut">
               <a:rPr lang="pt-BR" smtClean="0"/>
               <a:pPr/>
-              <a:t>03/10/2019</a:t>
+              <a:t>12/03/2021</a:t>
             </a:fld>
             <a:endParaRPr lang="pt-BR"/>
           </a:p>
@@ -4963,7 +5286,7 @@
             <a:fld id="{10D83AF5-3A59-46F5-8FEC-BB3944BF9F51}" type="datetimeFigureOut">
               <a:rPr lang="pt-BR" smtClean="0"/>
               <a:pPr/>
-              <a:t>03/10/2019</a:t>
+              <a:t>12/03/2021</a:t>
             </a:fld>
             <a:endParaRPr lang="pt-BR"/>
           </a:p>
@@ -5394,7 +5717,7 @@
             <a:fld id="{10D83AF5-3A59-46F5-8FEC-BB3944BF9F51}" type="datetimeFigureOut">
               <a:rPr lang="pt-BR" smtClean="0"/>
               <a:pPr/>
-              <a:t>03/10/2019</a:t>
+              <a:t>12/03/2021</a:t>
             </a:fld>
             <a:endParaRPr lang="pt-BR"/>
           </a:p>
@@ -5933,7 +6256,7 @@
             <a:fld id="{10D83AF5-3A59-46F5-8FEC-BB3944BF9F51}" type="datetimeFigureOut">
               <a:rPr lang="pt-BR" smtClean="0"/>
               <a:pPr/>
-              <a:t>03/10/2019</a:t>
+              <a:t>12/03/2021</a:t>
             </a:fld>
             <a:endParaRPr lang="pt-BR"/>
           </a:p>
@@ -6025,7 +6348,7 @@
             <a:fld id="{10D83AF5-3A59-46F5-8FEC-BB3944BF9F51}" type="datetimeFigureOut">
               <a:rPr lang="pt-BR" smtClean="0"/>
               <a:pPr/>
-              <a:t>03/10/2019</a:t>
+              <a:t>12/03/2021</a:t>
             </a:fld>
             <a:endParaRPr lang="pt-BR"/>
           </a:p>
@@ -6275,7 +6598,7 @@
             <a:fld id="{10D83AF5-3A59-46F5-8FEC-BB3944BF9F51}" type="datetimeFigureOut">
               <a:rPr lang="pt-BR" smtClean="0"/>
               <a:pPr/>
-              <a:t>03/10/2019</a:t>
+              <a:t>12/03/2021</a:t>
             </a:fld>
             <a:endParaRPr lang="pt-BR"/>
           </a:p>
@@ -6990,7 +7313,7 @@
             <a:fld id="{10D83AF5-3A59-46F5-8FEC-BB3944BF9F51}" type="datetimeFigureOut">
               <a:rPr lang="pt-BR" smtClean="0"/>
               <a:pPr/>
-              <a:t>03/10/2019</a:t>
+              <a:t>12/03/2021</a:t>
             </a:fld>
             <a:endParaRPr lang="pt-BR"/>
           </a:p>
@@ -7257,7 +7580,7 @@
             <a:fld id="{10D83AF5-3A59-46F5-8FEC-BB3944BF9F51}" type="datetimeFigureOut">
               <a:rPr lang="pt-BR" smtClean="0"/>
               <a:pPr/>
-              <a:t>03/10/2019</a:t>
+              <a:t>12/03/2021</a:t>
             </a:fld>
             <a:endParaRPr lang="pt-BR"/>
           </a:p>
@@ -8353,8 +8676,8 @@
         </p:nvSpPr>
         <p:spPr>
           <a:xfrm>
-            <a:off x="1271464" y="1484784"/>
-            <a:ext cx="7643866" cy="5016758"/>
+            <a:off x="1271464" y="1610791"/>
+            <a:ext cx="7643866" cy="4770537"/>
           </a:xfrm>
           <a:prstGeom prst="rect">
             <a:avLst/>
@@ -8367,22 +8690,6 @@
           </a:bodyPr>
           <a:lstStyle/>
           <a:p>
-            <a:r>
-              <a:rPr lang="pt-BR" sz="1600" dirty="0">
-                <a:solidFill>
-                  <a:schemeClr val="tx1">
-                    <a:lumMod val="50000"/>
-                  </a:schemeClr>
-                </a:solidFill>
-                <a:latin typeface="+mj-lt"/>
-              </a:rPr>
-              <a:t>// flexao.cpp - definindo uma função</a:t>
-            </a:r>
-            <a:br>
-              <a:rPr lang="pt-BR" sz="1600" dirty="0">
-                <a:latin typeface="+mj-lt"/>
-              </a:rPr>
-            </a:br>
             <a:r>
               <a:rPr lang="pt-BR" sz="1600" dirty="0">
                 <a:solidFill>
@@ -8955,7 +9262,7 @@
             <a:pPr lvl="2"/>
             <a:r>
               <a:rPr lang="pt-BR" dirty="0"/>
-              <a:t>Outra com o argumento sendo o valor de uma </a:t>
+              <a:t>Outra com o argumento sendo o </a:t>
             </a:r>
             <a:r>
               <a:rPr lang="pt-BR" dirty="0">
@@ -8965,7 +9272,7 @@
                   </a:schemeClr>
                 </a:solidFill>
               </a:rPr>
-              <a:t>variável</a:t>
+              <a:t>valor de uma variável</a:t>
             </a:r>
           </a:p>
         </p:txBody>
@@ -9008,6 +9315,12 @@
             </a:r>
             <a:r>
               <a:rPr lang="pt-BR" b="1" dirty="0">
+                <a:solidFill>
+                  <a:schemeClr val="accent3">
+                    <a:lumMod val="60000"/>
+                    <a:lumOff val="40000"/>
+                  </a:schemeClr>
+                </a:solidFill>
                 <a:latin typeface="+mj-lt"/>
               </a:rPr>
               <a:t>512</a:t>
@@ -9101,6 +9414,9 @@
               <a:rPr lang="pt-BR" dirty="0"/>
               <a:t>Apenas na definição de uma função é preciso </a:t>
             </a:r>
+            <a:br>
+              <a:rPr lang="pt-BR" dirty="0"/>
+            </a:br>
             <a:r>
               <a:rPr lang="pt-BR" dirty="0">
                 <a:solidFill>
@@ -9206,7 +9522,26 @@
                   </a:schemeClr>
                 </a:solidFill>
               </a:rPr>
-              <a:t>declarações de novas variáveis</a:t>
+              <a:t>declarações de novas </a:t>
+            </a:r>
+            <a:br>
+              <a:rPr lang="pt-BR" dirty="0">
+                <a:solidFill>
+                  <a:schemeClr val="accent3">
+                    <a:lumMod val="75000"/>
+                  </a:schemeClr>
+                </a:solidFill>
+              </a:rPr>
+            </a:br>
+            <a:r>
+              <a:rPr lang="pt-BR" dirty="0">
+                <a:solidFill>
+                  <a:schemeClr val="accent3">
+                    <a:lumMod val="75000"/>
+                  </a:schemeClr>
+                </a:solidFill>
+              </a:rPr>
+              <a:t>variáveis</a:t>
             </a:r>
             <a:r>
               <a:rPr lang="pt-BR" dirty="0"/>
@@ -10314,879 +10649,921 @@
           </a:p>
         </p:txBody>
       </p:sp>
+      <p:sp>
+        <p:nvSpPr>
+          <p:cNvPr id="22" name="Retângulo 21"/>
+          <p:cNvSpPr/>
+          <p:nvPr/>
+        </p:nvSpPr>
+        <p:spPr>
+          <a:xfrm>
+            <a:off x="6393458" y="2937717"/>
+            <a:ext cx="3391718" cy="3330372"/>
+          </a:xfrm>
+          <a:prstGeom prst="rect">
+            <a:avLst/>
+          </a:prstGeom>
+          <a:solidFill>
+            <a:schemeClr val="accent3">
+              <a:lumMod val="50000"/>
+            </a:schemeClr>
+          </a:solidFill>
+          <a:ln>
+            <a:noFill/>
+          </a:ln>
+          <a:effectLst/>
+          <a:scene3d>
+            <a:camera prst="orthographicFront">
+              <a:rot lat="0" lon="0" rev="0"/>
+            </a:camera>
+            <a:lightRig rig="chilly" dir="t">
+              <a:rot lat="0" lon="0" rev="18480000"/>
+            </a:lightRig>
+          </a:scene3d>
+          <a:sp3d prstMaterial="clear">
+            <a:bevelT h="63500"/>
+          </a:sp3d>
+        </p:spPr>
+        <p:style>
+          <a:lnRef idx="2">
+            <a:schemeClr val="accent1">
+              <a:shade val="50000"/>
+            </a:schemeClr>
+          </a:lnRef>
+          <a:fillRef idx="1">
+            <a:schemeClr val="accent1"/>
+          </a:fillRef>
+          <a:effectRef idx="0">
+            <a:schemeClr val="accent1"/>
+          </a:effectRef>
+          <a:fontRef idx="minor">
+            <a:schemeClr val="lt1"/>
+          </a:fontRef>
+        </p:style>
+        <p:txBody>
+          <a:bodyPr rtlCol="0" anchor="ctr"/>
+          <a:lstStyle/>
+          <a:p>
+            <a:pPr algn="ctr"/>
+            <a:endParaRPr lang="pt-BR"/>
+          </a:p>
+        </p:txBody>
+      </p:sp>
+      <p:sp>
+        <p:nvSpPr>
+          <p:cNvPr id="21" name="Retângulo 20"/>
+          <p:cNvSpPr/>
+          <p:nvPr/>
+        </p:nvSpPr>
+        <p:spPr>
+          <a:xfrm>
+            <a:off x="3088432" y="4200182"/>
+            <a:ext cx="2736304" cy="2067908"/>
+          </a:xfrm>
+          <a:prstGeom prst="rect">
+            <a:avLst/>
+          </a:prstGeom>
+          <a:solidFill>
+            <a:schemeClr val="accent3">
+              <a:lumMod val="50000"/>
+            </a:schemeClr>
+          </a:solidFill>
+          <a:ln>
+            <a:noFill/>
+          </a:ln>
+          <a:effectLst/>
+          <a:scene3d>
+            <a:camera prst="orthographicFront">
+              <a:rot lat="0" lon="0" rev="0"/>
+            </a:camera>
+            <a:lightRig rig="chilly" dir="t">
+              <a:rot lat="0" lon="0" rev="18480000"/>
+            </a:lightRig>
+          </a:scene3d>
+          <a:sp3d prstMaterial="clear">
+            <a:bevelT h="63500"/>
+          </a:sp3d>
+        </p:spPr>
+        <p:style>
+          <a:lnRef idx="2">
+            <a:schemeClr val="accent1">
+              <a:shade val="50000"/>
+            </a:schemeClr>
+          </a:lnRef>
+          <a:fillRef idx="1">
+            <a:schemeClr val="accent1"/>
+          </a:fillRef>
+          <a:effectRef idx="0">
+            <a:schemeClr val="accent1"/>
+          </a:effectRef>
+          <a:fontRef idx="minor">
+            <a:schemeClr val="lt1"/>
+          </a:fontRef>
+        </p:style>
+        <p:txBody>
+          <a:bodyPr rtlCol="0" anchor="ctr"/>
+          <a:lstStyle/>
+          <a:p>
+            <a:pPr algn="ctr"/>
+            <a:endParaRPr lang="pt-BR"/>
+          </a:p>
+        </p:txBody>
+      </p:sp>
+      <p:sp>
+        <p:nvSpPr>
+          <p:cNvPr id="19" name="Retângulo 18"/>
+          <p:cNvSpPr/>
+          <p:nvPr/>
+        </p:nvSpPr>
+        <p:spPr>
+          <a:xfrm>
+            <a:off x="3088432" y="2937717"/>
+            <a:ext cx="2736304" cy="639444"/>
+          </a:xfrm>
+          <a:prstGeom prst="rect">
+            <a:avLst/>
+          </a:prstGeom>
+          <a:solidFill>
+            <a:schemeClr val="accent3">
+              <a:lumMod val="50000"/>
+            </a:schemeClr>
+          </a:solidFill>
+          <a:ln>
+            <a:noFill/>
+          </a:ln>
+          <a:effectLst/>
+          <a:scene3d>
+            <a:camera prst="orthographicFront">
+              <a:rot lat="0" lon="0" rev="0"/>
+            </a:camera>
+            <a:lightRig rig="chilly" dir="t">
+              <a:rot lat="0" lon="0" rev="18480000"/>
+            </a:lightRig>
+          </a:scene3d>
+          <a:sp3d prstMaterial="clear">
+            <a:bevelT h="63500"/>
+          </a:sp3d>
+        </p:spPr>
+        <p:style>
+          <a:lnRef idx="2">
+            <a:schemeClr val="accent1">
+              <a:shade val="50000"/>
+            </a:schemeClr>
+          </a:lnRef>
+          <a:fillRef idx="1">
+            <a:schemeClr val="accent1"/>
+          </a:fillRef>
+          <a:effectRef idx="0">
+            <a:schemeClr val="accent1"/>
+          </a:effectRef>
+          <a:fontRef idx="minor">
+            <a:schemeClr val="lt1"/>
+          </a:fontRef>
+        </p:style>
+        <p:txBody>
+          <a:bodyPr rtlCol="0" anchor="ctr"/>
+          <a:lstStyle/>
+          <a:p>
+            <a:pPr algn="ctr"/>
+            <a:endParaRPr lang="pt-BR"/>
+          </a:p>
+        </p:txBody>
+      </p:sp>
+      <p:sp>
+        <p:nvSpPr>
+          <p:cNvPr id="4" name="CaixaDeTexto 3"/>
+          <p:cNvSpPr txBox="1"/>
+          <p:nvPr/>
+        </p:nvSpPr>
+        <p:spPr>
+          <a:xfrm>
+            <a:off x="3115222" y="2971480"/>
+            <a:ext cx="2493490" cy="523220"/>
+          </a:xfrm>
+          <a:prstGeom prst="rect">
+            <a:avLst/>
+          </a:prstGeom>
+          <a:noFill/>
+        </p:spPr>
+        <p:txBody>
+          <a:bodyPr wrap="square" rtlCol="0">
+            <a:spAutoFit/>
+          </a:bodyPr>
+          <a:lstStyle/>
+          <a:p>
+            <a:r>
+              <a:rPr lang="pt-BR" sz="1400" dirty="0" err="1">
+                <a:solidFill>
+                  <a:schemeClr val="accent3">
+                    <a:lumMod val="75000"/>
+                  </a:schemeClr>
+                </a:solidFill>
+                <a:latin typeface="+mj-lt"/>
+              </a:rPr>
+              <a:t>void</a:t>
+            </a:r>
+            <a:r>
+              <a:rPr lang="pt-BR" sz="1400" dirty="0">
+                <a:solidFill>
+                  <a:schemeClr val="accent3">
+                    <a:lumMod val="75000"/>
+                  </a:schemeClr>
+                </a:solidFill>
+                <a:latin typeface="+mj-lt"/>
+              </a:rPr>
+              <a:t> </a:t>
+            </a:r>
+            <a:r>
+              <a:rPr lang="pt-BR" sz="1400" dirty="0">
+                <a:latin typeface="+mj-lt"/>
+              </a:rPr>
+              <a:t>flexao(</a:t>
+            </a:r>
+            <a:r>
+              <a:rPr lang="pt-BR" sz="1400" dirty="0">
+                <a:solidFill>
+                  <a:schemeClr val="accent3">
+                    <a:lumMod val="75000"/>
+                  </a:schemeClr>
+                </a:solidFill>
+                <a:latin typeface="+mj-lt"/>
+              </a:rPr>
+              <a:t>int</a:t>
+            </a:r>
+            <a:r>
+              <a:rPr lang="pt-BR" sz="1400" dirty="0">
+                <a:latin typeface="+mj-lt"/>
+              </a:rPr>
+              <a:t>);</a:t>
+            </a:r>
+          </a:p>
+          <a:p>
+            <a:r>
+              <a:rPr lang="pt-BR" sz="1400" dirty="0">
+                <a:solidFill>
+                  <a:schemeClr val="accent3">
+                    <a:lumMod val="75000"/>
+                  </a:schemeClr>
+                </a:solidFill>
+                <a:latin typeface="+mj-lt"/>
+              </a:rPr>
+              <a:t>void </a:t>
+            </a:r>
+            <a:r>
+              <a:rPr lang="pt-BR" sz="1400" dirty="0">
+                <a:latin typeface="+mj-lt"/>
+              </a:rPr>
+              <a:t>abdominal(</a:t>
+            </a:r>
+            <a:r>
+              <a:rPr lang="pt-BR" sz="1400" dirty="0" err="1">
+                <a:solidFill>
+                  <a:schemeClr val="accent3">
+                    <a:lumMod val="75000"/>
+                  </a:schemeClr>
+                </a:solidFill>
+                <a:latin typeface="+mj-lt"/>
+              </a:rPr>
+              <a:t>int</a:t>
+            </a:r>
+            <a:r>
+              <a:rPr lang="pt-BR" sz="1400" dirty="0">
+                <a:latin typeface="+mj-lt"/>
+              </a:rPr>
+              <a:t>);</a:t>
+            </a:r>
+          </a:p>
+        </p:txBody>
+      </p:sp>
+      <p:sp>
+        <p:nvSpPr>
+          <p:cNvPr id="14" name="CaixaDeTexto 13"/>
+          <p:cNvSpPr txBox="1"/>
+          <p:nvPr/>
+        </p:nvSpPr>
+        <p:spPr>
+          <a:xfrm>
+            <a:off x="6492256" y="3009721"/>
+            <a:ext cx="2788864" cy="3293209"/>
+          </a:xfrm>
+          <a:prstGeom prst="rect">
+            <a:avLst/>
+          </a:prstGeom>
+          <a:noFill/>
+        </p:spPr>
+        <p:txBody>
+          <a:bodyPr wrap="square" rtlCol="0">
+            <a:spAutoFit/>
+          </a:bodyPr>
+          <a:lstStyle/>
+          <a:p>
+            <a:r>
+              <a:rPr lang="pt-BR" sz="1400" dirty="0">
+                <a:solidFill>
+                  <a:schemeClr val="accent3">
+                    <a:lumMod val="75000"/>
+                  </a:schemeClr>
+                </a:solidFill>
+                <a:latin typeface="+mj-lt"/>
+              </a:rPr>
+              <a:t>#include </a:t>
+            </a:r>
+            <a:r>
+              <a:rPr lang="pt-BR" sz="1400" dirty="0">
+                <a:solidFill>
+                  <a:schemeClr val="accent2">
+                    <a:lumMod val="60000"/>
+                    <a:lumOff val="40000"/>
+                  </a:schemeClr>
+                </a:solidFill>
+                <a:latin typeface="+mj-lt"/>
+              </a:rPr>
+              <a:t>&lt;iostream&gt;</a:t>
+            </a:r>
+          </a:p>
+          <a:p>
+            <a:r>
+              <a:rPr lang="pt-BR" sz="1400" dirty="0">
+                <a:solidFill>
+                  <a:schemeClr val="accent3">
+                    <a:lumMod val="75000"/>
+                  </a:schemeClr>
+                </a:solidFill>
+                <a:latin typeface="+mj-lt"/>
+              </a:rPr>
+              <a:t>#include </a:t>
+            </a:r>
+            <a:r>
+              <a:rPr lang="pt-BR" sz="1400" dirty="0">
+                <a:solidFill>
+                  <a:schemeClr val="accent2">
+                    <a:lumMod val="60000"/>
+                    <a:lumOff val="40000"/>
+                  </a:schemeClr>
+                </a:solidFill>
+                <a:latin typeface="+mj-lt"/>
+              </a:rPr>
+              <a:t>"ginastica.h"</a:t>
+            </a:r>
+          </a:p>
+          <a:p>
+            <a:endParaRPr lang="pt-BR" sz="1400" dirty="0">
+              <a:solidFill>
+                <a:schemeClr val="accent3">
+                  <a:lumMod val="75000"/>
+                </a:schemeClr>
+              </a:solidFill>
+              <a:latin typeface="+mj-lt"/>
+            </a:endParaRPr>
+          </a:p>
+          <a:p>
+            <a:r>
+              <a:rPr lang="pt-BR" sz="1400" dirty="0">
+                <a:solidFill>
+                  <a:schemeClr val="accent3">
+                    <a:lumMod val="75000"/>
+                  </a:schemeClr>
+                </a:solidFill>
+                <a:latin typeface="+mj-lt"/>
+              </a:rPr>
+              <a:t>int</a:t>
+            </a:r>
+            <a:r>
+              <a:rPr lang="pt-BR" sz="1400" dirty="0">
+                <a:latin typeface="+mj-lt"/>
+              </a:rPr>
+              <a:t> main()</a:t>
+            </a:r>
+          </a:p>
+          <a:p>
+            <a:r>
+              <a:rPr lang="pt-BR" sz="1400" dirty="0">
+                <a:latin typeface="+mj-lt"/>
+              </a:rPr>
+              <a:t>{</a:t>
+            </a:r>
+          </a:p>
+          <a:p>
+            <a:r>
+              <a:rPr lang="pt-BR" sz="1400" dirty="0">
+                <a:latin typeface="+mj-lt"/>
+              </a:rPr>
+              <a:t>   </a:t>
+            </a:r>
+            <a:r>
+              <a:rPr lang="pt-BR" sz="1400" dirty="0" err="1">
+                <a:latin typeface="+mj-lt"/>
+              </a:rPr>
+              <a:t>cout</a:t>
+            </a:r>
+            <a:r>
+              <a:rPr lang="pt-BR" sz="1400" dirty="0">
+                <a:latin typeface="+mj-lt"/>
+              </a:rPr>
+              <a:t> &lt;&lt; </a:t>
+            </a:r>
+            <a:r>
+              <a:rPr lang="pt-BR" sz="1400" dirty="0">
+                <a:solidFill>
+                  <a:schemeClr val="accent2">
+                    <a:lumMod val="60000"/>
+                    <a:lumOff val="40000"/>
+                  </a:schemeClr>
+                </a:solidFill>
+                <a:latin typeface="+mj-lt"/>
+              </a:rPr>
+              <a:t>"Exercícios "</a:t>
+            </a:r>
+            <a:r>
+              <a:rPr lang="pt-BR" sz="1400" dirty="0">
+                <a:latin typeface="+mj-lt"/>
+              </a:rPr>
+              <a:t> </a:t>
+            </a:r>
+          </a:p>
+          <a:p>
+            <a:r>
+              <a:rPr lang="pt-BR" sz="1400" dirty="0">
+                <a:latin typeface="+mj-lt"/>
+              </a:rPr>
+              <a:t>        &lt;&lt; </a:t>
+            </a:r>
+            <a:r>
+              <a:rPr lang="pt-BR" sz="1400" dirty="0">
+                <a:solidFill>
+                  <a:schemeClr val="accent2">
+                    <a:lumMod val="60000"/>
+                    <a:lumOff val="40000"/>
+                  </a:schemeClr>
+                </a:solidFill>
+                <a:latin typeface="+mj-lt"/>
+              </a:rPr>
+              <a:t>"de hoje:"</a:t>
+            </a:r>
+            <a:r>
+              <a:rPr lang="pt-BR" sz="1400" dirty="0">
+                <a:latin typeface="+mj-lt"/>
+              </a:rPr>
+              <a:t> </a:t>
+            </a:r>
+          </a:p>
+          <a:p>
+            <a:r>
+              <a:rPr lang="pt-BR" sz="1400" dirty="0">
+                <a:latin typeface="+mj-lt"/>
+              </a:rPr>
+              <a:t>        &lt;&lt; </a:t>
+            </a:r>
+            <a:r>
+              <a:rPr lang="pt-BR" sz="1400" dirty="0" err="1">
+                <a:latin typeface="+mj-lt"/>
+              </a:rPr>
+              <a:t>endl</a:t>
+            </a:r>
+            <a:r>
+              <a:rPr lang="pt-BR" sz="1400" dirty="0">
+                <a:latin typeface="+mj-lt"/>
+              </a:rPr>
+              <a:t>;</a:t>
+            </a:r>
+          </a:p>
+          <a:p>
+            <a:endParaRPr lang="pt-BR" sz="1400" dirty="0">
+              <a:latin typeface="+mj-lt"/>
+            </a:endParaRPr>
+          </a:p>
+          <a:p>
+            <a:r>
+              <a:rPr lang="pt-BR" sz="1400" dirty="0">
+                <a:latin typeface="+mj-lt"/>
+              </a:rPr>
+              <a:t>   </a:t>
+            </a:r>
+            <a:r>
+              <a:rPr lang="pt-BR" sz="1400" dirty="0" err="1">
+                <a:latin typeface="+mj-lt"/>
+              </a:rPr>
+              <a:t>flexao</a:t>
+            </a:r>
+            <a:r>
+              <a:rPr lang="pt-BR" sz="1400" dirty="0">
+                <a:latin typeface="+mj-lt"/>
+              </a:rPr>
+              <a:t>(10);</a:t>
+            </a:r>
+          </a:p>
+          <a:p>
+            <a:r>
+              <a:rPr lang="pt-BR" sz="1400" dirty="0">
+                <a:latin typeface="+mj-lt"/>
+              </a:rPr>
+              <a:t>   abdominal(20);</a:t>
+            </a:r>
+          </a:p>
+          <a:p>
+            <a:r>
+              <a:rPr lang="pt-BR" sz="1400" dirty="0">
+                <a:latin typeface="+mj-lt"/>
+              </a:rPr>
+              <a:t>   </a:t>
+            </a:r>
+          </a:p>
+          <a:p>
+            <a:r>
+              <a:rPr lang="pt-BR" sz="1400" dirty="0">
+                <a:solidFill>
+                  <a:schemeClr val="accent3">
+                    <a:lumMod val="75000"/>
+                  </a:schemeClr>
+                </a:solidFill>
+                <a:latin typeface="+mj-lt"/>
+              </a:rPr>
+              <a:t>   </a:t>
+            </a:r>
+            <a:r>
+              <a:rPr lang="pt-BR" sz="1400" dirty="0" err="1">
+                <a:solidFill>
+                  <a:schemeClr val="accent3">
+                    <a:lumMod val="75000"/>
+                  </a:schemeClr>
+                </a:solidFill>
+                <a:latin typeface="+mj-lt"/>
+              </a:rPr>
+              <a:t>return</a:t>
+            </a:r>
+            <a:r>
+              <a:rPr lang="pt-BR" sz="1400" dirty="0">
+                <a:latin typeface="+mj-lt"/>
+              </a:rPr>
+              <a:t> 0;</a:t>
+            </a:r>
+          </a:p>
+          <a:p>
+            <a:r>
+              <a:rPr lang="pt-BR" sz="1400" dirty="0">
+                <a:latin typeface="+mj-lt"/>
+              </a:rPr>
+              <a:t>}</a:t>
+            </a:r>
+          </a:p>
+          <a:p>
+            <a:endParaRPr lang="pt-BR" sz="1200" dirty="0">
+              <a:latin typeface="+mj-lt"/>
+            </a:endParaRPr>
+          </a:p>
+        </p:txBody>
+      </p:sp>
+      <p:sp>
+        <p:nvSpPr>
+          <p:cNvPr id="15" name="CaixaDeTexto 14"/>
+          <p:cNvSpPr txBox="1"/>
+          <p:nvPr/>
+        </p:nvSpPr>
+        <p:spPr>
+          <a:xfrm>
+            <a:off x="3088432" y="4236764"/>
+            <a:ext cx="2592288" cy="2031325"/>
+          </a:xfrm>
+          <a:prstGeom prst="rect">
+            <a:avLst/>
+          </a:prstGeom>
+          <a:noFill/>
+        </p:spPr>
+        <p:txBody>
+          <a:bodyPr wrap="square" rtlCol="0">
+            <a:spAutoFit/>
+          </a:bodyPr>
+          <a:lstStyle/>
+          <a:p>
+            <a:r>
+              <a:rPr lang="pt-BR" sz="1400" dirty="0" err="1">
+                <a:solidFill>
+                  <a:schemeClr val="accent3">
+                    <a:lumMod val="75000"/>
+                  </a:schemeClr>
+                </a:solidFill>
+                <a:latin typeface="+mj-lt"/>
+              </a:rPr>
+              <a:t>void</a:t>
+            </a:r>
+            <a:r>
+              <a:rPr lang="pt-BR" sz="1400" dirty="0">
+                <a:solidFill>
+                  <a:schemeClr val="accent3">
+                    <a:lumMod val="75000"/>
+                  </a:schemeClr>
+                </a:solidFill>
+                <a:latin typeface="+mj-lt"/>
+              </a:rPr>
+              <a:t> </a:t>
+            </a:r>
+            <a:r>
+              <a:rPr lang="pt-BR" sz="1400" dirty="0" err="1">
+                <a:latin typeface="+mj-lt"/>
+              </a:rPr>
+              <a:t>flexao</a:t>
+            </a:r>
+            <a:r>
+              <a:rPr lang="pt-BR" sz="1400" dirty="0">
+                <a:latin typeface="+mj-lt"/>
+              </a:rPr>
+              <a:t>(</a:t>
+            </a:r>
+            <a:r>
+              <a:rPr lang="pt-BR" sz="1400" dirty="0" err="1">
+                <a:solidFill>
+                  <a:schemeClr val="accent3">
+                    <a:lumMod val="75000"/>
+                  </a:schemeClr>
+                </a:solidFill>
+                <a:latin typeface="+mj-lt"/>
+              </a:rPr>
+              <a:t>int</a:t>
+            </a:r>
+            <a:r>
+              <a:rPr lang="pt-BR" sz="1400" dirty="0">
+                <a:solidFill>
+                  <a:schemeClr val="accent3">
+                    <a:lumMod val="75000"/>
+                  </a:schemeClr>
+                </a:solidFill>
+                <a:latin typeface="+mj-lt"/>
+              </a:rPr>
+              <a:t> </a:t>
+            </a:r>
+            <a:r>
+              <a:rPr lang="pt-BR" sz="1400" dirty="0">
+                <a:latin typeface="+mj-lt"/>
+              </a:rPr>
+              <a:t>n)</a:t>
+            </a:r>
+          </a:p>
+          <a:p>
+            <a:r>
+              <a:rPr lang="pt-BR" sz="1400" dirty="0">
+                <a:latin typeface="+mj-lt"/>
+              </a:rPr>
+              <a:t>{</a:t>
+            </a:r>
+          </a:p>
+          <a:p>
+            <a:r>
+              <a:rPr lang="pt-BR" sz="1400" dirty="0">
+                <a:latin typeface="+mj-lt"/>
+              </a:rPr>
+              <a:t>   ...</a:t>
+            </a:r>
+          </a:p>
+          <a:p>
+            <a:r>
+              <a:rPr lang="pt-BR" sz="1400" dirty="0">
+                <a:latin typeface="+mj-lt"/>
+              </a:rPr>
+              <a:t>}</a:t>
+            </a:r>
+          </a:p>
+          <a:p>
+            <a:endParaRPr lang="pt-BR" sz="1400" dirty="0">
+              <a:latin typeface="+mj-lt"/>
+            </a:endParaRPr>
+          </a:p>
+          <a:p>
+            <a:r>
+              <a:rPr lang="pt-BR" sz="1400" dirty="0" err="1">
+                <a:solidFill>
+                  <a:schemeClr val="accent3">
+                    <a:lumMod val="75000"/>
+                  </a:schemeClr>
+                </a:solidFill>
+                <a:latin typeface="+mj-lt"/>
+              </a:rPr>
+              <a:t>void</a:t>
+            </a:r>
+            <a:r>
+              <a:rPr lang="pt-BR" sz="1400" dirty="0">
+                <a:solidFill>
+                  <a:schemeClr val="accent3">
+                    <a:lumMod val="75000"/>
+                  </a:schemeClr>
+                </a:solidFill>
+                <a:latin typeface="+mj-lt"/>
+              </a:rPr>
+              <a:t> </a:t>
+            </a:r>
+            <a:r>
+              <a:rPr lang="pt-BR" sz="1400" dirty="0">
+                <a:latin typeface="+mj-lt"/>
+              </a:rPr>
+              <a:t>abdominal(</a:t>
+            </a:r>
+            <a:r>
+              <a:rPr lang="pt-BR" sz="1400" dirty="0" err="1">
+                <a:solidFill>
+                  <a:schemeClr val="accent3">
+                    <a:lumMod val="75000"/>
+                  </a:schemeClr>
+                </a:solidFill>
+                <a:latin typeface="+mj-lt"/>
+              </a:rPr>
+              <a:t>int</a:t>
+            </a:r>
+            <a:r>
+              <a:rPr lang="pt-BR" sz="1400" dirty="0">
+                <a:solidFill>
+                  <a:schemeClr val="accent3">
+                    <a:lumMod val="75000"/>
+                  </a:schemeClr>
+                </a:solidFill>
+                <a:latin typeface="+mj-lt"/>
+              </a:rPr>
+              <a:t> </a:t>
+            </a:r>
+            <a:r>
+              <a:rPr lang="pt-BR" sz="1400" dirty="0">
+                <a:latin typeface="+mj-lt"/>
+              </a:rPr>
+              <a:t>n)</a:t>
+            </a:r>
+          </a:p>
+          <a:p>
+            <a:r>
+              <a:rPr lang="pt-BR" sz="1400" dirty="0">
+                <a:latin typeface="+mj-lt"/>
+              </a:rPr>
+              <a:t>{</a:t>
+            </a:r>
+          </a:p>
+          <a:p>
+            <a:r>
+              <a:rPr lang="pt-BR" sz="1400" dirty="0">
+                <a:latin typeface="+mj-lt"/>
+              </a:rPr>
+              <a:t>   ...</a:t>
+            </a:r>
+          </a:p>
+          <a:p>
+            <a:r>
+              <a:rPr lang="pt-BR" sz="1400" dirty="0">
+                <a:latin typeface="+mj-lt"/>
+              </a:rPr>
+              <a:t>}</a:t>
+            </a:r>
+          </a:p>
+        </p:txBody>
+      </p:sp>
+      <p:sp>
+        <p:nvSpPr>
+          <p:cNvPr id="9" name="CaixaDeTexto 8"/>
+          <p:cNvSpPr txBox="1"/>
+          <p:nvPr/>
+        </p:nvSpPr>
+        <p:spPr>
+          <a:xfrm>
+            <a:off x="6348240" y="2414497"/>
+            <a:ext cx="2271776" cy="523220"/>
+          </a:xfrm>
+          <a:prstGeom prst="rect">
+            <a:avLst/>
+          </a:prstGeom>
+          <a:noFill/>
+        </p:spPr>
+        <p:txBody>
+          <a:bodyPr wrap="none" rtlCol="0">
+            <a:spAutoFit/>
+          </a:bodyPr>
+          <a:lstStyle/>
+          <a:p>
+            <a:r>
+              <a:rPr lang="pt-BR" sz="1400" dirty="0">
+                <a:solidFill>
+                  <a:schemeClr val="tx1">
+                    <a:lumMod val="75000"/>
+                  </a:schemeClr>
+                </a:solidFill>
+                <a:latin typeface="+mj-lt"/>
+              </a:rPr>
+              <a:t>// Arquivo principal:</a:t>
+            </a:r>
+          </a:p>
+          <a:p>
+            <a:r>
+              <a:rPr lang="pt-BR" sz="1400" dirty="0">
+                <a:solidFill>
+                  <a:schemeClr val="tx1">
+                    <a:lumMod val="75000"/>
+                  </a:schemeClr>
+                </a:solidFill>
+                <a:latin typeface="+mj-lt"/>
+              </a:rPr>
+              <a:t>// malhando.cpp</a:t>
+            </a:r>
+          </a:p>
+        </p:txBody>
+      </p:sp>
+      <p:sp>
+        <p:nvSpPr>
+          <p:cNvPr id="18" name="CaixaDeTexto 17"/>
+          <p:cNvSpPr txBox="1"/>
+          <p:nvPr/>
+        </p:nvSpPr>
+        <p:spPr>
+          <a:xfrm>
+            <a:off x="3016424" y="2414497"/>
+            <a:ext cx="2736304" cy="523220"/>
+          </a:xfrm>
+          <a:prstGeom prst="rect">
+            <a:avLst/>
+          </a:prstGeom>
+          <a:noFill/>
+        </p:spPr>
+        <p:txBody>
+          <a:bodyPr wrap="square" rtlCol="0">
+            <a:spAutoFit/>
+          </a:bodyPr>
+          <a:lstStyle/>
+          <a:p>
+            <a:r>
+              <a:rPr lang="pt-BR" sz="1400" dirty="0">
+                <a:solidFill>
+                  <a:schemeClr val="tx1">
+                    <a:lumMod val="75000"/>
+                  </a:schemeClr>
+                </a:solidFill>
+                <a:latin typeface="+mj-lt"/>
+              </a:rPr>
+              <a:t>// Arquivo de inclusão:</a:t>
+            </a:r>
+          </a:p>
+          <a:p>
+            <a:r>
+              <a:rPr lang="pt-BR" sz="1400" dirty="0">
+                <a:solidFill>
+                  <a:schemeClr val="tx1">
+                    <a:lumMod val="75000"/>
+                  </a:schemeClr>
+                </a:solidFill>
+                <a:latin typeface="+mj-lt"/>
+              </a:rPr>
+              <a:t>// ginastica.h</a:t>
+            </a:r>
+          </a:p>
+        </p:txBody>
+      </p:sp>
+      <p:sp>
+        <p:nvSpPr>
+          <p:cNvPr id="20" name="CaixaDeTexto 19"/>
+          <p:cNvSpPr txBox="1"/>
+          <p:nvPr/>
+        </p:nvSpPr>
+        <p:spPr>
+          <a:xfrm>
+            <a:off x="3016425" y="3657797"/>
+            <a:ext cx="1874231" cy="523220"/>
+          </a:xfrm>
+          <a:prstGeom prst="rect">
+            <a:avLst/>
+          </a:prstGeom>
+          <a:noFill/>
+        </p:spPr>
+        <p:txBody>
+          <a:bodyPr wrap="none" rtlCol="0">
+            <a:spAutoFit/>
+          </a:bodyPr>
+          <a:lstStyle/>
+          <a:p>
+            <a:r>
+              <a:rPr lang="pt-BR" sz="1400" dirty="0">
+                <a:solidFill>
+                  <a:schemeClr val="tx1">
+                    <a:lumMod val="75000"/>
+                  </a:schemeClr>
+                </a:solidFill>
+                <a:latin typeface="+mj-lt"/>
+              </a:rPr>
+              <a:t>// Arquivo fonte:</a:t>
+            </a:r>
+          </a:p>
+          <a:p>
+            <a:r>
+              <a:rPr lang="pt-BR" sz="1400" dirty="0">
+                <a:solidFill>
+                  <a:schemeClr val="tx1">
+                    <a:lumMod val="75000"/>
+                  </a:schemeClr>
+                </a:solidFill>
+                <a:latin typeface="+mj-lt"/>
+              </a:rPr>
+              <a:t>// ginastica.cpp</a:t>
+            </a:r>
+          </a:p>
+        </p:txBody>
+      </p:sp>
       <p:grpSp>
         <p:nvGrpSpPr>
-          <p:cNvPr id="5" name="Agrupar 4">
+          <p:cNvPr id="23" name="Agrupar 22">
             <a:extLst>
               <a:ext uri="{FF2B5EF4-FFF2-40B4-BE49-F238E27FC236}">
-                <a16:creationId xmlns:a16="http://schemas.microsoft.com/office/drawing/2014/main" id="{E29FAFC3-173F-415E-B9D9-4FA8D803AF79}"/>
-              </a:ext>
-            </a:extLst>
-          </p:cNvPr>
-          <p:cNvGrpSpPr/>
-          <p:nvPr/>
-        </p:nvGrpSpPr>
-        <p:grpSpPr>
-          <a:xfrm>
-            <a:off x="3016424" y="2414497"/>
-            <a:ext cx="6768752" cy="3966831"/>
-            <a:chOff x="3143672" y="2420888"/>
-            <a:chExt cx="6768752" cy="3966831"/>
-          </a:xfrm>
-        </p:grpSpPr>
-        <p:sp>
-          <p:nvSpPr>
-            <p:cNvPr id="22" name="Retângulo 21"/>
-            <p:cNvSpPr/>
-            <p:nvPr/>
-          </p:nvSpPr>
-          <p:spPr>
-            <a:xfrm>
-              <a:off x="6520706" y="2944108"/>
-              <a:ext cx="3391718" cy="3443610"/>
-            </a:xfrm>
-            <a:prstGeom prst="rect">
-              <a:avLst/>
-            </a:prstGeom>
-            <a:ln w="19050"/>
-          </p:spPr>
-          <p:style>
-            <a:lnRef idx="3">
-              <a:schemeClr val="lt1"/>
-            </a:lnRef>
-            <a:fillRef idx="1">
-              <a:schemeClr val="dk1"/>
-            </a:fillRef>
-            <a:effectRef idx="1">
-              <a:schemeClr val="dk1"/>
-            </a:effectRef>
-            <a:fontRef idx="minor">
-              <a:schemeClr val="lt1"/>
-            </a:fontRef>
-          </p:style>
-          <p:txBody>
-            <a:bodyPr rtlCol="0" anchor="ctr"/>
-            <a:lstStyle/>
-            <a:p>
-              <a:pPr algn="ctr"/>
-              <a:endParaRPr lang="pt-BR"/>
-            </a:p>
-          </p:txBody>
-        </p:sp>
-        <p:sp>
-          <p:nvSpPr>
-            <p:cNvPr id="21" name="Retângulo 20"/>
-            <p:cNvSpPr/>
-            <p:nvPr/>
-          </p:nvSpPr>
-          <p:spPr>
-            <a:xfrm>
-              <a:off x="3215680" y="4206572"/>
-              <a:ext cx="2736304" cy="2181147"/>
-            </a:xfrm>
-            <a:prstGeom prst="rect">
-              <a:avLst/>
-            </a:prstGeom>
-            <a:ln w="19050"/>
-          </p:spPr>
-          <p:style>
-            <a:lnRef idx="3">
-              <a:schemeClr val="lt1"/>
-            </a:lnRef>
-            <a:fillRef idx="1">
-              <a:schemeClr val="dk1"/>
-            </a:fillRef>
-            <a:effectRef idx="1">
-              <a:schemeClr val="dk1"/>
-            </a:effectRef>
-            <a:fontRef idx="minor">
-              <a:schemeClr val="lt1"/>
-            </a:fontRef>
-          </p:style>
-          <p:txBody>
-            <a:bodyPr rtlCol="0" anchor="ctr"/>
-            <a:lstStyle/>
-            <a:p>
-              <a:pPr algn="ctr"/>
-              <a:endParaRPr lang="pt-BR"/>
-            </a:p>
-          </p:txBody>
-        </p:sp>
-        <p:sp>
-          <p:nvSpPr>
-            <p:cNvPr id="19" name="Retângulo 18"/>
-            <p:cNvSpPr/>
-            <p:nvPr/>
-          </p:nvSpPr>
-          <p:spPr>
-            <a:xfrm>
-              <a:off x="3215680" y="2944108"/>
-              <a:ext cx="2736304" cy="639444"/>
-            </a:xfrm>
-            <a:prstGeom prst="rect">
-              <a:avLst/>
-            </a:prstGeom>
-            <a:ln w="19050"/>
-          </p:spPr>
-          <p:style>
-            <a:lnRef idx="3">
-              <a:schemeClr val="lt1"/>
-            </a:lnRef>
-            <a:fillRef idx="1">
-              <a:schemeClr val="dk1"/>
-            </a:fillRef>
-            <a:effectRef idx="1">
-              <a:schemeClr val="dk1"/>
-            </a:effectRef>
-            <a:fontRef idx="minor">
-              <a:schemeClr val="lt1"/>
-            </a:fontRef>
-          </p:style>
-          <p:txBody>
-            <a:bodyPr rtlCol="0" anchor="ctr"/>
-            <a:lstStyle/>
-            <a:p>
-              <a:pPr algn="ctr"/>
-              <a:endParaRPr lang="pt-BR"/>
-            </a:p>
-          </p:txBody>
-        </p:sp>
-        <p:sp>
-          <p:nvSpPr>
-            <p:cNvPr id="4" name="CaixaDeTexto 3"/>
-            <p:cNvSpPr txBox="1"/>
-            <p:nvPr/>
-          </p:nvSpPr>
-          <p:spPr>
-            <a:xfrm>
-              <a:off x="3242470" y="2977871"/>
-              <a:ext cx="2493490" cy="523220"/>
-            </a:xfrm>
-            <a:prstGeom prst="rect">
-              <a:avLst/>
-            </a:prstGeom>
-            <a:noFill/>
-          </p:spPr>
-          <p:txBody>
-            <a:bodyPr wrap="square" rtlCol="0">
-              <a:spAutoFit/>
-            </a:bodyPr>
-            <a:lstStyle/>
-            <a:p>
-              <a:r>
-                <a:rPr lang="pt-BR" sz="1400" dirty="0" err="1">
-                  <a:solidFill>
-                    <a:schemeClr val="accent3">
-                      <a:lumMod val="75000"/>
-                    </a:schemeClr>
-                  </a:solidFill>
-                  <a:latin typeface="+mj-lt"/>
-                </a:rPr>
-                <a:t>void</a:t>
-              </a:r>
-              <a:r>
-                <a:rPr lang="pt-BR" sz="1400" dirty="0">
-                  <a:solidFill>
-                    <a:schemeClr val="accent3">
-                      <a:lumMod val="75000"/>
-                    </a:schemeClr>
-                  </a:solidFill>
-                  <a:latin typeface="+mj-lt"/>
-                </a:rPr>
-                <a:t> </a:t>
-              </a:r>
-              <a:r>
-                <a:rPr lang="pt-BR" sz="1400" dirty="0">
-                  <a:latin typeface="+mj-lt"/>
-                </a:rPr>
-                <a:t>flexao(</a:t>
-              </a:r>
-              <a:r>
-                <a:rPr lang="pt-BR" sz="1400" dirty="0">
-                  <a:solidFill>
-                    <a:schemeClr val="accent3">
-                      <a:lumMod val="75000"/>
-                    </a:schemeClr>
-                  </a:solidFill>
-                  <a:latin typeface="+mj-lt"/>
-                </a:rPr>
-                <a:t>int</a:t>
-              </a:r>
-              <a:r>
-                <a:rPr lang="pt-BR" sz="1400" dirty="0">
-                  <a:latin typeface="+mj-lt"/>
-                </a:rPr>
-                <a:t>);</a:t>
-              </a:r>
-            </a:p>
-            <a:p>
-              <a:r>
-                <a:rPr lang="pt-BR" sz="1400" dirty="0">
-                  <a:solidFill>
-                    <a:schemeClr val="accent3">
-                      <a:lumMod val="75000"/>
-                    </a:schemeClr>
-                  </a:solidFill>
-                  <a:latin typeface="+mj-lt"/>
-                </a:rPr>
-                <a:t>void </a:t>
-              </a:r>
-              <a:r>
-                <a:rPr lang="pt-BR" sz="1400" dirty="0">
-                  <a:latin typeface="+mj-lt"/>
-                </a:rPr>
-                <a:t>abdominal(</a:t>
-              </a:r>
-              <a:r>
-                <a:rPr lang="pt-BR" sz="1400" dirty="0" err="1">
-                  <a:solidFill>
-                    <a:schemeClr val="accent3">
-                      <a:lumMod val="75000"/>
-                    </a:schemeClr>
-                  </a:solidFill>
-                  <a:latin typeface="+mj-lt"/>
-                </a:rPr>
-                <a:t>int</a:t>
-              </a:r>
-              <a:r>
-                <a:rPr lang="pt-BR" sz="1400" dirty="0">
-                  <a:latin typeface="+mj-lt"/>
-                </a:rPr>
-                <a:t>);</a:t>
-              </a:r>
-            </a:p>
-          </p:txBody>
-        </p:sp>
-        <p:sp>
-          <p:nvSpPr>
-            <p:cNvPr id="14" name="CaixaDeTexto 13"/>
-            <p:cNvSpPr txBox="1"/>
-            <p:nvPr/>
-          </p:nvSpPr>
-          <p:spPr>
-            <a:xfrm>
-              <a:off x="6619504" y="3016112"/>
-              <a:ext cx="2788864" cy="3293209"/>
-            </a:xfrm>
-            <a:prstGeom prst="rect">
-              <a:avLst/>
-            </a:prstGeom>
-            <a:noFill/>
-          </p:spPr>
-          <p:txBody>
-            <a:bodyPr wrap="square" rtlCol="0">
-              <a:spAutoFit/>
-            </a:bodyPr>
-            <a:lstStyle/>
-            <a:p>
-              <a:r>
-                <a:rPr lang="pt-BR" sz="1400" dirty="0">
-                  <a:solidFill>
-                    <a:schemeClr val="accent3">
-                      <a:lumMod val="75000"/>
-                    </a:schemeClr>
-                  </a:solidFill>
-                  <a:latin typeface="+mj-lt"/>
-                </a:rPr>
-                <a:t>#include </a:t>
-              </a:r>
-              <a:r>
-                <a:rPr lang="pt-BR" sz="1400" dirty="0">
-                  <a:solidFill>
-                    <a:schemeClr val="accent2">
-                      <a:lumMod val="60000"/>
-                      <a:lumOff val="40000"/>
-                    </a:schemeClr>
-                  </a:solidFill>
-                  <a:latin typeface="+mj-lt"/>
-                </a:rPr>
-                <a:t>&lt;iostream&gt;</a:t>
-              </a:r>
-            </a:p>
-            <a:p>
-              <a:r>
-                <a:rPr lang="pt-BR" sz="1400" dirty="0">
-                  <a:solidFill>
-                    <a:schemeClr val="accent3">
-                      <a:lumMod val="75000"/>
-                    </a:schemeClr>
-                  </a:solidFill>
-                  <a:latin typeface="+mj-lt"/>
-                </a:rPr>
-                <a:t>#include </a:t>
-              </a:r>
-              <a:r>
-                <a:rPr lang="pt-BR" sz="1400" dirty="0">
-                  <a:solidFill>
-                    <a:schemeClr val="accent2">
-                      <a:lumMod val="60000"/>
-                      <a:lumOff val="40000"/>
-                    </a:schemeClr>
-                  </a:solidFill>
-                  <a:latin typeface="+mj-lt"/>
-                </a:rPr>
-                <a:t>"ginastica.h"</a:t>
-              </a:r>
-            </a:p>
-            <a:p>
-              <a:endParaRPr lang="pt-BR" sz="1400" dirty="0">
-                <a:solidFill>
-                  <a:schemeClr val="accent3">
-                    <a:lumMod val="75000"/>
-                  </a:schemeClr>
-                </a:solidFill>
-                <a:latin typeface="+mj-lt"/>
-              </a:endParaRPr>
-            </a:p>
-            <a:p>
-              <a:r>
-                <a:rPr lang="pt-BR" sz="1400" dirty="0">
-                  <a:solidFill>
-                    <a:schemeClr val="accent3">
-                      <a:lumMod val="75000"/>
-                    </a:schemeClr>
-                  </a:solidFill>
-                  <a:latin typeface="+mj-lt"/>
-                </a:rPr>
-                <a:t>int</a:t>
-              </a:r>
-              <a:r>
-                <a:rPr lang="pt-BR" sz="1400" dirty="0">
-                  <a:latin typeface="+mj-lt"/>
-                </a:rPr>
-                <a:t> main()</a:t>
-              </a:r>
-            </a:p>
-            <a:p>
-              <a:r>
-                <a:rPr lang="pt-BR" sz="1400" dirty="0">
-                  <a:latin typeface="+mj-lt"/>
-                </a:rPr>
-                <a:t>{</a:t>
-              </a:r>
-            </a:p>
-            <a:p>
-              <a:r>
-                <a:rPr lang="pt-BR" sz="1400" dirty="0">
-                  <a:latin typeface="+mj-lt"/>
-                </a:rPr>
-                <a:t>   </a:t>
-              </a:r>
-              <a:r>
-                <a:rPr lang="pt-BR" sz="1400" dirty="0" err="1">
-                  <a:latin typeface="+mj-lt"/>
-                </a:rPr>
-                <a:t>cout</a:t>
-              </a:r>
-              <a:r>
-                <a:rPr lang="pt-BR" sz="1400" dirty="0">
-                  <a:latin typeface="+mj-lt"/>
-                </a:rPr>
-                <a:t> &lt;&lt; </a:t>
-              </a:r>
-              <a:r>
-                <a:rPr lang="pt-BR" sz="1400" dirty="0">
-                  <a:solidFill>
-                    <a:schemeClr val="accent2">
-                      <a:lumMod val="60000"/>
-                      <a:lumOff val="40000"/>
-                    </a:schemeClr>
-                  </a:solidFill>
-                  <a:latin typeface="+mj-lt"/>
-                </a:rPr>
-                <a:t>"Exercícios "</a:t>
-              </a:r>
-              <a:r>
-                <a:rPr lang="pt-BR" sz="1400" dirty="0">
-                  <a:latin typeface="+mj-lt"/>
-                </a:rPr>
-                <a:t> </a:t>
-              </a:r>
-            </a:p>
-            <a:p>
-              <a:r>
-                <a:rPr lang="pt-BR" sz="1400" dirty="0">
-                  <a:latin typeface="+mj-lt"/>
-                </a:rPr>
-                <a:t>        &lt;&lt; </a:t>
-              </a:r>
-              <a:r>
-                <a:rPr lang="pt-BR" sz="1400" dirty="0">
-                  <a:solidFill>
-                    <a:schemeClr val="accent2">
-                      <a:lumMod val="60000"/>
-                      <a:lumOff val="40000"/>
-                    </a:schemeClr>
-                  </a:solidFill>
-                  <a:latin typeface="+mj-lt"/>
-                </a:rPr>
-                <a:t>"de hoje:"</a:t>
-              </a:r>
-              <a:r>
-                <a:rPr lang="pt-BR" sz="1400" dirty="0">
-                  <a:latin typeface="+mj-lt"/>
-                </a:rPr>
-                <a:t> </a:t>
-              </a:r>
-            </a:p>
-            <a:p>
-              <a:r>
-                <a:rPr lang="pt-BR" sz="1400" dirty="0">
-                  <a:latin typeface="+mj-lt"/>
-                </a:rPr>
-                <a:t>        &lt;&lt; </a:t>
-              </a:r>
-              <a:r>
-                <a:rPr lang="pt-BR" sz="1400" dirty="0" err="1">
-                  <a:latin typeface="+mj-lt"/>
-                </a:rPr>
-                <a:t>endl</a:t>
-              </a:r>
-              <a:r>
-                <a:rPr lang="pt-BR" sz="1400" dirty="0">
-                  <a:latin typeface="+mj-lt"/>
-                </a:rPr>
-                <a:t>;</a:t>
-              </a:r>
-            </a:p>
-            <a:p>
-              <a:endParaRPr lang="pt-BR" sz="1400" dirty="0">
-                <a:latin typeface="+mj-lt"/>
-              </a:endParaRPr>
-            </a:p>
-            <a:p>
-              <a:r>
-                <a:rPr lang="pt-BR" sz="1400" dirty="0">
-                  <a:latin typeface="+mj-lt"/>
-                </a:rPr>
-                <a:t>   </a:t>
-              </a:r>
-              <a:r>
-                <a:rPr lang="pt-BR" sz="1400" dirty="0" err="1">
-                  <a:latin typeface="+mj-lt"/>
-                </a:rPr>
-                <a:t>flexao</a:t>
-              </a:r>
-              <a:r>
-                <a:rPr lang="pt-BR" sz="1400" dirty="0">
-                  <a:latin typeface="+mj-lt"/>
-                </a:rPr>
-                <a:t>(10);</a:t>
-              </a:r>
-            </a:p>
-            <a:p>
-              <a:r>
-                <a:rPr lang="pt-BR" sz="1400" dirty="0">
-                  <a:latin typeface="+mj-lt"/>
-                </a:rPr>
-                <a:t>   abdominal(20);</a:t>
-              </a:r>
-            </a:p>
-            <a:p>
-              <a:r>
-                <a:rPr lang="pt-BR" sz="1400" dirty="0">
-                  <a:latin typeface="+mj-lt"/>
-                </a:rPr>
-                <a:t>   </a:t>
-              </a:r>
-            </a:p>
-            <a:p>
-              <a:r>
-                <a:rPr lang="pt-BR" sz="1400" dirty="0">
-                  <a:solidFill>
-                    <a:schemeClr val="accent3">
-                      <a:lumMod val="75000"/>
-                    </a:schemeClr>
-                  </a:solidFill>
-                  <a:latin typeface="+mj-lt"/>
-                </a:rPr>
-                <a:t>   </a:t>
-              </a:r>
-              <a:r>
-                <a:rPr lang="pt-BR" sz="1400" dirty="0" err="1">
-                  <a:solidFill>
-                    <a:schemeClr val="accent3">
-                      <a:lumMod val="75000"/>
-                    </a:schemeClr>
-                  </a:solidFill>
-                  <a:latin typeface="+mj-lt"/>
-                </a:rPr>
-                <a:t>return</a:t>
-              </a:r>
-              <a:r>
-                <a:rPr lang="pt-BR" sz="1400" dirty="0">
-                  <a:latin typeface="+mj-lt"/>
-                </a:rPr>
-                <a:t> 0;</a:t>
-              </a:r>
-            </a:p>
-            <a:p>
-              <a:r>
-                <a:rPr lang="pt-BR" sz="1400" dirty="0">
-                  <a:latin typeface="+mj-lt"/>
-                </a:rPr>
-                <a:t>}</a:t>
-              </a:r>
-            </a:p>
-            <a:p>
-              <a:endParaRPr lang="pt-BR" sz="1200" dirty="0">
-                <a:latin typeface="+mj-lt"/>
-              </a:endParaRPr>
-            </a:p>
-          </p:txBody>
-        </p:sp>
-        <p:sp>
-          <p:nvSpPr>
-            <p:cNvPr id="15" name="CaixaDeTexto 14"/>
-            <p:cNvSpPr txBox="1"/>
-            <p:nvPr/>
-          </p:nvSpPr>
-          <p:spPr>
-            <a:xfrm>
-              <a:off x="3215680" y="4243155"/>
-              <a:ext cx="2592288" cy="2031325"/>
-            </a:xfrm>
-            <a:prstGeom prst="rect">
-              <a:avLst/>
-            </a:prstGeom>
-            <a:noFill/>
-          </p:spPr>
-          <p:txBody>
-            <a:bodyPr wrap="square" rtlCol="0">
-              <a:spAutoFit/>
-            </a:bodyPr>
-            <a:lstStyle/>
-            <a:p>
-              <a:r>
-                <a:rPr lang="pt-BR" sz="1400" dirty="0" err="1">
-                  <a:solidFill>
-                    <a:schemeClr val="accent3">
-                      <a:lumMod val="75000"/>
-                    </a:schemeClr>
-                  </a:solidFill>
-                  <a:latin typeface="+mj-lt"/>
-                </a:rPr>
-                <a:t>void</a:t>
-              </a:r>
-              <a:r>
-                <a:rPr lang="pt-BR" sz="1400" dirty="0">
-                  <a:solidFill>
-                    <a:schemeClr val="accent3">
-                      <a:lumMod val="75000"/>
-                    </a:schemeClr>
-                  </a:solidFill>
-                  <a:latin typeface="+mj-lt"/>
-                </a:rPr>
-                <a:t> </a:t>
-              </a:r>
-              <a:r>
-                <a:rPr lang="pt-BR" sz="1400" dirty="0" err="1">
-                  <a:latin typeface="+mj-lt"/>
-                </a:rPr>
-                <a:t>flexao</a:t>
-              </a:r>
-              <a:r>
-                <a:rPr lang="pt-BR" sz="1400" dirty="0">
-                  <a:latin typeface="+mj-lt"/>
-                </a:rPr>
-                <a:t>(</a:t>
-              </a:r>
-              <a:r>
-                <a:rPr lang="pt-BR" sz="1400" dirty="0" err="1">
-                  <a:solidFill>
-                    <a:schemeClr val="accent3">
-                      <a:lumMod val="75000"/>
-                    </a:schemeClr>
-                  </a:solidFill>
-                  <a:latin typeface="+mj-lt"/>
-                </a:rPr>
-                <a:t>int</a:t>
-              </a:r>
-              <a:r>
-                <a:rPr lang="pt-BR" sz="1400" dirty="0">
-                  <a:solidFill>
-                    <a:schemeClr val="accent3">
-                      <a:lumMod val="75000"/>
-                    </a:schemeClr>
-                  </a:solidFill>
-                  <a:latin typeface="+mj-lt"/>
-                </a:rPr>
-                <a:t> </a:t>
-              </a:r>
-              <a:r>
-                <a:rPr lang="pt-BR" sz="1400" dirty="0">
-                  <a:latin typeface="+mj-lt"/>
-                </a:rPr>
-                <a:t>n)</a:t>
-              </a:r>
-            </a:p>
-            <a:p>
-              <a:r>
-                <a:rPr lang="pt-BR" sz="1400" dirty="0">
-                  <a:latin typeface="+mj-lt"/>
-                </a:rPr>
-                <a:t>{</a:t>
-              </a:r>
-            </a:p>
-            <a:p>
-              <a:r>
-                <a:rPr lang="pt-BR" sz="1400" dirty="0">
-                  <a:latin typeface="+mj-lt"/>
-                </a:rPr>
-                <a:t>   ...</a:t>
-              </a:r>
-            </a:p>
-            <a:p>
-              <a:r>
-                <a:rPr lang="pt-BR" sz="1400" dirty="0">
-                  <a:latin typeface="+mj-lt"/>
-                </a:rPr>
-                <a:t>}</a:t>
-              </a:r>
-            </a:p>
-            <a:p>
-              <a:endParaRPr lang="pt-BR" sz="1400" dirty="0">
-                <a:latin typeface="+mj-lt"/>
-              </a:endParaRPr>
-            </a:p>
-            <a:p>
-              <a:r>
-                <a:rPr lang="pt-BR" sz="1400" dirty="0" err="1">
-                  <a:solidFill>
-                    <a:schemeClr val="accent3">
-                      <a:lumMod val="75000"/>
-                    </a:schemeClr>
-                  </a:solidFill>
-                  <a:latin typeface="+mj-lt"/>
-                </a:rPr>
-                <a:t>void</a:t>
-              </a:r>
-              <a:r>
-                <a:rPr lang="pt-BR" sz="1400" dirty="0">
-                  <a:solidFill>
-                    <a:schemeClr val="accent3">
-                      <a:lumMod val="75000"/>
-                    </a:schemeClr>
-                  </a:solidFill>
-                  <a:latin typeface="+mj-lt"/>
-                </a:rPr>
-                <a:t> </a:t>
-              </a:r>
-              <a:r>
-                <a:rPr lang="pt-BR" sz="1400" dirty="0">
-                  <a:latin typeface="+mj-lt"/>
-                </a:rPr>
-                <a:t>abdominal(</a:t>
-              </a:r>
-              <a:r>
-                <a:rPr lang="pt-BR" sz="1400" dirty="0" err="1">
-                  <a:solidFill>
-                    <a:schemeClr val="accent3">
-                      <a:lumMod val="75000"/>
-                    </a:schemeClr>
-                  </a:solidFill>
-                  <a:latin typeface="+mj-lt"/>
-                </a:rPr>
-                <a:t>int</a:t>
-              </a:r>
-              <a:r>
-                <a:rPr lang="pt-BR" sz="1400" dirty="0">
-                  <a:solidFill>
-                    <a:schemeClr val="accent3">
-                      <a:lumMod val="75000"/>
-                    </a:schemeClr>
-                  </a:solidFill>
-                  <a:latin typeface="+mj-lt"/>
-                </a:rPr>
-                <a:t> </a:t>
-              </a:r>
-              <a:r>
-                <a:rPr lang="pt-BR" sz="1400" dirty="0">
-                  <a:latin typeface="+mj-lt"/>
-                </a:rPr>
-                <a:t>n)</a:t>
-              </a:r>
-            </a:p>
-            <a:p>
-              <a:r>
-                <a:rPr lang="pt-BR" sz="1400" dirty="0">
-                  <a:latin typeface="+mj-lt"/>
-                </a:rPr>
-                <a:t>{</a:t>
-              </a:r>
-            </a:p>
-            <a:p>
-              <a:r>
-                <a:rPr lang="pt-BR" sz="1400" dirty="0">
-                  <a:latin typeface="+mj-lt"/>
-                </a:rPr>
-                <a:t>   ...</a:t>
-              </a:r>
-            </a:p>
-            <a:p>
-              <a:r>
-                <a:rPr lang="pt-BR" sz="1400" dirty="0">
-                  <a:latin typeface="+mj-lt"/>
-                </a:rPr>
-                <a:t>}</a:t>
-              </a:r>
-            </a:p>
-          </p:txBody>
-        </p:sp>
-        <p:sp>
-          <p:nvSpPr>
-            <p:cNvPr id="9" name="CaixaDeTexto 8"/>
-            <p:cNvSpPr txBox="1"/>
-            <p:nvPr/>
-          </p:nvSpPr>
-          <p:spPr>
-            <a:xfrm>
-              <a:off x="6475488" y="2420888"/>
-              <a:ext cx="2271776" cy="523220"/>
-            </a:xfrm>
-            <a:prstGeom prst="rect">
-              <a:avLst/>
-            </a:prstGeom>
-            <a:noFill/>
-          </p:spPr>
-          <p:txBody>
-            <a:bodyPr wrap="none" rtlCol="0">
-              <a:spAutoFit/>
-            </a:bodyPr>
-            <a:lstStyle/>
-            <a:p>
-              <a:r>
-                <a:rPr lang="pt-BR" sz="1400" dirty="0">
-                  <a:solidFill>
-                    <a:schemeClr val="tx1">
-                      <a:lumMod val="75000"/>
-                    </a:schemeClr>
-                  </a:solidFill>
-                  <a:latin typeface="+mj-lt"/>
-                </a:rPr>
-                <a:t>// Arquivo principal:</a:t>
-              </a:r>
-            </a:p>
-            <a:p>
-              <a:r>
-                <a:rPr lang="pt-BR" sz="1400" dirty="0">
-                  <a:solidFill>
-                    <a:schemeClr val="tx1">
-                      <a:lumMod val="75000"/>
-                    </a:schemeClr>
-                  </a:solidFill>
-                  <a:latin typeface="+mj-lt"/>
-                </a:rPr>
-                <a:t>// malhando.cpp</a:t>
-              </a:r>
-            </a:p>
-          </p:txBody>
-        </p:sp>
-        <p:sp>
-          <p:nvSpPr>
-            <p:cNvPr id="18" name="CaixaDeTexto 17"/>
-            <p:cNvSpPr txBox="1"/>
-            <p:nvPr/>
-          </p:nvSpPr>
-          <p:spPr>
-            <a:xfrm>
-              <a:off x="3143672" y="2420888"/>
-              <a:ext cx="2736304" cy="523220"/>
-            </a:xfrm>
-            <a:prstGeom prst="rect">
-              <a:avLst/>
-            </a:prstGeom>
-            <a:noFill/>
-          </p:spPr>
-          <p:txBody>
-            <a:bodyPr wrap="square" rtlCol="0">
-              <a:spAutoFit/>
-            </a:bodyPr>
-            <a:lstStyle/>
-            <a:p>
-              <a:r>
-                <a:rPr lang="pt-BR" sz="1400" dirty="0">
-                  <a:solidFill>
-                    <a:schemeClr val="tx1">
-                      <a:lumMod val="75000"/>
-                    </a:schemeClr>
-                  </a:solidFill>
-                  <a:latin typeface="+mj-lt"/>
-                </a:rPr>
-                <a:t>// Arquivo de inclusão:</a:t>
-              </a:r>
-            </a:p>
-            <a:p>
-              <a:r>
-                <a:rPr lang="pt-BR" sz="1400" dirty="0">
-                  <a:solidFill>
-                    <a:schemeClr val="tx1">
-                      <a:lumMod val="75000"/>
-                    </a:schemeClr>
-                  </a:solidFill>
-                  <a:latin typeface="+mj-lt"/>
-                </a:rPr>
-                <a:t>// ginastica.h</a:t>
-              </a:r>
-            </a:p>
-          </p:txBody>
-        </p:sp>
-        <p:sp>
-          <p:nvSpPr>
-            <p:cNvPr id="20" name="CaixaDeTexto 19"/>
-            <p:cNvSpPr txBox="1"/>
-            <p:nvPr/>
-          </p:nvSpPr>
-          <p:spPr>
-            <a:xfrm>
-              <a:off x="3143673" y="3664188"/>
-              <a:ext cx="1874231" cy="523220"/>
-            </a:xfrm>
-            <a:prstGeom prst="rect">
-              <a:avLst/>
-            </a:prstGeom>
-            <a:noFill/>
-          </p:spPr>
-          <p:txBody>
-            <a:bodyPr wrap="none" rtlCol="0">
-              <a:spAutoFit/>
-            </a:bodyPr>
-            <a:lstStyle/>
-            <a:p>
-              <a:r>
-                <a:rPr lang="pt-BR" sz="1400" dirty="0">
-                  <a:solidFill>
-                    <a:schemeClr val="tx1">
-                      <a:lumMod val="75000"/>
-                    </a:schemeClr>
-                  </a:solidFill>
-                  <a:latin typeface="+mj-lt"/>
-                </a:rPr>
-                <a:t>// Arquivo fonte:</a:t>
-              </a:r>
-            </a:p>
-            <a:p>
-              <a:r>
-                <a:rPr lang="pt-BR" sz="1400" dirty="0">
-                  <a:solidFill>
-                    <a:schemeClr val="tx1">
-                      <a:lumMod val="75000"/>
-                    </a:schemeClr>
-                  </a:solidFill>
-                  <a:latin typeface="+mj-lt"/>
-                </a:rPr>
-                <a:t>// ginastica.cpp</a:t>
-              </a:r>
-            </a:p>
-          </p:txBody>
-        </p:sp>
-      </p:grpSp>
-      <p:grpSp>
-        <p:nvGrpSpPr>
-          <p:cNvPr id="16" name="Agrupar 15">
-            <a:extLst>
-              <a:ext uri="{FF2B5EF4-FFF2-40B4-BE49-F238E27FC236}">
-                <a16:creationId xmlns:a16="http://schemas.microsoft.com/office/drawing/2014/main" id="{B7D8CE55-8C44-4B31-86FA-08FCF3C0FA45}"/>
+                <a16:creationId xmlns:a16="http://schemas.microsoft.com/office/drawing/2014/main" id="{F38EC596-4D86-4658-A014-E0EA3B247D72}"/>
               </a:ext>
             </a:extLst>
           </p:cNvPr>
@@ -11196,17 +11573,17 @@
         <p:grpSpPr>
           <a:xfrm>
             <a:off x="11594275" y="6381328"/>
-            <a:ext cx="597725" cy="540266"/>
+            <a:ext cx="617266" cy="495111"/>
             <a:chOff x="11582400" y="6381328"/>
-            <a:chExt cx="597725" cy="540266"/>
+            <a:chExt cx="617266" cy="495111"/>
           </a:xfrm>
         </p:grpSpPr>
         <p:sp>
           <p:nvSpPr>
-            <p:cNvPr id="17" name="Triângulo isósceles 6">
+            <p:cNvPr id="24" name="Triângulo isósceles 6">
               <a:extLst>
                 <a:ext uri="{FF2B5EF4-FFF2-40B4-BE49-F238E27FC236}">
-                  <a16:creationId xmlns:a16="http://schemas.microsoft.com/office/drawing/2014/main" id="{2FD830C9-DF64-4DB8-92A3-EA9C186E3F2C}"/>
+                  <a16:creationId xmlns:a16="http://schemas.microsoft.com/office/drawing/2014/main" id="{7A7053C8-9CF6-4C55-A3BB-5EDAF145B3C4}"/>
                 </a:ext>
               </a:extLst>
             </p:cNvPr>
@@ -11330,10 +11707,10 @@
         </p:sp>
         <p:sp>
           <p:nvSpPr>
-            <p:cNvPr id="26" name="Retângulo 25">
+            <p:cNvPr id="25" name="Retângulo 24">
               <a:extLst>
                 <a:ext uri="{FF2B5EF4-FFF2-40B4-BE49-F238E27FC236}">
-                  <a16:creationId xmlns:a16="http://schemas.microsoft.com/office/drawing/2014/main" id="{D097C59C-C278-4599-94AD-481F211663F4}"/>
+                  <a16:creationId xmlns:a16="http://schemas.microsoft.com/office/drawing/2014/main" id="{00AEA6D4-B769-4B27-ACC5-4F888AB2EB35}"/>
                 </a:ext>
               </a:extLst>
             </p:cNvPr>
@@ -11342,7 +11719,7 @@
           </p:nvSpPr>
           <p:spPr>
             <a:xfrm>
-              <a:off x="11788841" y="6521484"/>
+              <a:off x="11808382" y="6476329"/>
               <a:ext cx="391284" cy="400110"/>
             </a:xfrm>
             <a:prstGeom prst="rect">
@@ -11364,7 +11741,7 @@
                     <a:schemeClr val="bg1"/>
                   </a:solidFill>
                 </a:rPr>
-                <a:t>*</a:t>
+                <a:t>»</a:t>
               </a:r>
             </a:p>
           </p:txBody>
@@ -14238,29 +14615,47 @@
           <a:p>
             <a:r>
               <a:rPr lang="pt-BR" dirty="0"/>
-              <a:t>Funções que tem retorno diferente de </a:t>
-            </a:r>
-            <a:r>
-              <a:rPr lang="pt-BR" dirty="0" err="1"/>
-              <a:t>void</a:t>
+              <a:t>Funções com retorno diferente de void </a:t>
+            </a:r>
+            <a:r>
+              <a:rPr lang="pt-BR" dirty="0">
+                <a:solidFill>
+                  <a:schemeClr val="accent3">
+                    <a:lumMod val="75000"/>
+                  </a:schemeClr>
+                </a:solidFill>
+              </a:rPr>
+              <a:t>devem usar a </a:t>
+            </a:r>
+            <a:br>
+              <a:rPr lang="pt-BR" dirty="0">
+                <a:solidFill>
+                  <a:schemeClr val="accent3">
+                    <a:lumMod val="75000"/>
+                  </a:schemeClr>
+                </a:solidFill>
+              </a:rPr>
+            </a:br>
+            <a:r>
+              <a:rPr lang="pt-BR" dirty="0">
+                <a:solidFill>
+                  <a:schemeClr val="accent3">
+                    <a:lumMod val="75000"/>
+                  </a:schemeClr>
+                </a:solidFill>
+              </a:rPr>
+              <a:t>instrução return </a:t>
             </a:r>
             <a:r>
               <a:rPr lang="pt-BR" dirty="0"/>
-              <a:t> </a:t>
-            </a:r>
-            <a:r>
-              <a:rPr lang="pt-BR" dirty="0">
-                <a:solidFill>
-                  <a:schemeClr val="accent3">
-                    <a:lumMod val="75000"/>
-                  </a:schemeClr>
-                </a:solidFill>
-              </a:rPr>
-              <a:t>devem usar a instrução return </a:t>
-            </a:r>
-            <a:r>
+              <a:t>para prover o valor de retorno e finalizar </a:t>
+            </a:r>
+            <a:br>
               <a:rPr lang="pt-BR" dirty="0"/>
-              <a:t>para prover o valor de retorno e finalizar a função</a:t>
+            </a:br>
+            <a:r>
+              <a:rPr lang="pt-BR" dirty="0"/>
+              <a:t>a função</a:t>
             </a:r>
           </a:p>
         </p:txBody>
@@ -14273,7 +14668,7 @@
         </p:nvSpPr>
         <p:spPr>
           <a:xfrm>
-            <a:off x="1687934" y="3436545"/>
+            <a:off x="2047974" y="3436545"/>
             <a:ext cx="7072362" cy="2800767"/>
           </a:xfrm>
           <a:prstGeom prst="rect">
@@ -14571,7 +14966,14 @@
             </a:r>
             <a:r>
               <a:rPr lang="pt-BR" dirty="0"/>
-              <a:t> pode ser usada no lugar de uma variável ou constante</a:t>
+              <a:t> pode ser usada </a:t>
+            </a:r>
+            <a:br>
+              <a:rPr lang="pt-BR" dirty="0"/>
+            </a:br>
+            <a:r>
+              <a:rPr lang="pt-BR" dirty="0"/>
+              <a:t>no lugar de uma variável ou constante</a:t>
             </a:r>
           </a:p>
         </p:txBody>
@@ -15062,7 +15464,7 @@
                 </a:solidFill>
                 <a:latin typeface="+mj-lt"/>
               </a:rPr>
-              <a:t>"O tamanho da mesa é "</a:t>
+              <a:t>"O tamanho é "</a:t>
             </a:r>
             <a:r>
               <a:rPr lang="pt-BR" sz="1600" dirty="0">
@@ -15658,7 +16060,14 @@
             </a:r>
             <a:r>
               <a:rPr lang="pt-BR" dirty="0"/>
-              <a:t>é chamada de </a:t>
+              <a:t>é chamada </a:t>
+            </a:r>
+            <a:br>
+              <a:rPr lang="pt-BR" dirty="0"/>
+            </a:br>
+            <a:r>
+              <a:rPr lang="pt-BR" dirty="0"/>
+              <a:t>de </a:t>
             </a:r>
             <a:r>
               <a:rPr lang="pt-BR" dirty="0">
@@ -16199,7 +16608,14 @@
             </a:r>
             <a:r>
               <a:rPr lang="pt-BR" dirty="0"/>
-              <a:t>é chamada de </a:t>
+              <a:t>é chamada </a:t>
+            </a:r>
+            <a:br>
+              <a:rPr lang="pt-BR" dirty="0"/>
+            </a:br>
+            <a:r>
+              <a:rPr lang="pt-BR" dirty="0"/>
+              <a:t>de </a:t>
             </a:r>
             <a:r>
               <a:rPr lang="pt-BR" dirty="0">
@@ -17555,7 +17971,26 @@
                   </a:schemeClr>
                 </a:solidFill>
               </a:rPr>
-              <a:t>esconde uma variável global de mesmo nome</a:t>
+              <a:t>esconde uma </a:t>
+            </a:r>
+            <a:br>
+              <a:rPr lang="pt-BR" dirty="0">
+                <a:solidFill>
+                  <a:schemeClr val="accent3">
+                    <a:lumMod val="75000"/>
+                  </a:schemeClr>
+                </a:solidFill>
+              </a:rPr>
+            </a:br>
+            <a:r>
+              <a:rPr lang="pt-BR" dirty="0">
+                <a:solidFill>
+                  <a:schemeClr val="accent3">
+                    <a:lumMod val="75000"/>
+                  </a:schemeClr>
+                </a:solidFill>
+              </a:rPr>
+              <a:t>variável global de mesmo nome</a:t>
             </a:r>
           </a:p>
           <a:p>
@@ -17692,6 +18127,9 @@
               <a:rPr lang="pt-BR" dirty="0"/>
               <a:t>Programadores C++ tem muita flexibilidade na </a:t>
             </a:r>
+            <a:br>
+              <a:rPr lang="pt-BR" dirty="0"/>
+            </a:br>
             <a:r>
               <a:rPr lang="pt-BR" dirty="0">
                 <a:solidFill>
@@ -17715,6 +18153,18 @@
               <a:rPr lang="pt-BR" dirty="0"/>
               <a:t>	</a:t>
             </a:r>
+          </a:p>
+          <a:p>
+            <a:endParaRPr lang="pt-BR" dirty="0"/>
+          </a:p>
+          <a:p>
+            <a:endParaRPr lang="pt-BR" dirty="0"/>
+          </a:p>
+          <a:p>
+            <a:r>
+              <a:rPr lang="pt-BR" dirty="0"/>
+              <a:t>Cada programador tem </a:t>
+            </a:r>
             <a:r>
               <a:rPr lang="pt-BR" dirty="0">
                 <a:solidFill>
@@ -17723,21 +18173,25 @@
                   </a:schemeClr>
                 </a:solidFill>
               </a:rPr>
-              <a:t>MinhaFuncao()</a:t>
+              <a:t>preferência por um estilo</a:t>
             </a:r>
             <a:r>
               <a:rPr lang="pt-BR" dirty="0"/>
-              <a:t>	</a:t>
-            </a:r>
-            <a:r>
-              <a:rPr lang="pt-BR" dirty="0" err="1">
-                <a:solidFill>
-                  <a:schemeClr val="accent3">
-                    <a:lumMod val="75000"/>
-                  </a:schemeClr>
-                </a:solidFill>
-              </a:rPr>
-              <a:t>minha_funcao</a:t>
+              <a:t> </a:t>
+            </a:r>
+          </a:p>
+          <a:p>
+            <a:pPr lvl="1"/>
+            <a:r>
+              <a:rPr lang="pt-BR" dirty="0"/>
+              <a:t>Não existe um estilo errado</a:t>
+            </a:r>
+          </a:p>
+          <a:p>
+            <a:pPr lvl="1"/>
+            <a:r>
+              <a:rPr lang="pt-BR" dirty="0"/>
+              <a:t>O importante é </a:t>
             </a:r>
             <a:r>
               <a:rPr lang="pt-BR" dirty="0">
@@ -17747,106 +18201,157 @@
                   </a:schemeClr>
                 </a:solidFill>
               </a:rPr>
-              <a:t>()</a:t>
-            </a:r>
-          </a:p>
+              <a:t>manter o mesmo padrão </a:t>
+            </a:r>
+            <a:r>
+              <a:rPr lang="pt-BR" dirty="0"/>
+              <a:t>em todo o código</a:t>
+            </a:r>
+          </a:p>
+        </p:txBody>
+      </p:sp>
+      <p:sp>
+        <p:nvSpPr>
+          <p:cNvPr id="5" name="CaixaDeTexto 4">
+            <a:extLst>
+              <a:ext uri="{FF2B5EF4-FFF2-40B4-BE49-F238E27FC236}">
+                <a16:creationId xmlns:a16="http://schemas.microsoft.com/office/drawing/2014/main" id="{BA603D38-FE9B-428A-AA81-4C378B25ED37}"/>
+              </a:ext>
+            </a:extLst>
+          </p:cNvPr>
+          <p:cNvSpPr txBox="1"/>
+          <p:nvPr/>
+        </p:nvSpPr>
+        <p:spPr>
+          <a:xfrm>
+            <a:off x="1559496" y="2878054"/>
+            <a:ext cx="6096680" cy="1200329"/>
+          </a:xfrm>
+          <a:prstGeom prst="rect">
+            <a:avLst/>
+          </a:prstGeom>
+          <a:noFill/>
+        </p:spPr>
+        <p:txBody>
+          <a:bodyPr wrap="square">
+            <a:spAutoFit/>
+          </a:bodyPr>
+          <a:lstStyle/>
           <a:p>
             <a:pPr lvl="1">
               <a:buNone/>
             </a:pPr>
             <a:r>
-              <a:rPr lang="pt-BR" dirty="0">
-                <a:solidFill>
-                  <a:schemeClr val="accent3">
-                    <a:lumMod val="75000"/>
-                  </a:schemeClr>
-                </a:solidFill>
-              </a:rPr>
-              <a:t>	</a:t>
-            </a:r>
-            <a:r>
-              <a:rPr lang="pt-BR" dirty="0" err="1"/>
+              <a:rPr lang="pt-BR" sz="2400" dirty="0" err="1">
+                <a:solidFill>
+                  <a:schemeClr val="accent3">
+                    <a:lumMod val="75000"/>
+                  </a:schemeClr>
+                </a:solidFill>
+                <a:latin typeface="+mj-lt"/>
+              </a:rPr>
+              <a:t>MinhaFuncao</a:t>
+            </a:r>
+            <a:r>
+              <a:rPr lang="pt-BR" sz="2400" dirty="0">
+                <a:solidFill>
+                  <a:schemeClr val="accent3">
+                    <a:lumMod val="75000"/>
+                  </a:schemeClr>
+                </a:solidFill>
+                <a:latin typeface="+mj-lt"/>
+              </a:rPr>
+              <a:t>()   </a:t>
+            </a:r>
+            <a:r>
+              <a:rPr lang="pt-BR" sz="2400" dirty="0" err="1">
+                <a:solidFill>
+                  <a:schemeClr val="accent3">
+                    <a:lumMod val="75000"/>
+                  </a:schemeClr>
+                </a:solidFill>
+                <a:latin typeface="+mj-lt"/>
+              </a:rPr>
+              <a:t>minha_funcao</a:t>
+            </a:r>
+            <a:r>
+              <a:rPr lang="pt-BR" sz="2400" dirty="0">
+                <a:solidFill>
+                  <a:schemeClr val="accent3">
+                    <a:lumMod val="75000"/>
+                  </a:schemeClr>
+                </a:solidFill>
+                <a:latin typeface="+mj-lt"/>
+              </a:rPr>
+              <a:t>()</a:t>
+            </a:r>
+          </a:p>
+          <a:p>
+            <a:pPr lvl="1">
+              <a:buNone/>
+            </a:pPr>
+            <a:r>
+              <a:rPr lang="pt-BR" sz="2400" dirty="0" err="1">
+                <a:latin typeface="+mj-lt"/>
+              </a:rPr>
               <a:t>minhafuncao</a:t>
             </a:r>
             <a:r>
-              <a:rPr lang="pt-BR" dirty="0"/>
-              <a:t>()		minha_func() </a:t>
+              <a:rPr lang="pt-BR" sz="2400" dirty="0">
+                <a:latin typeface="+mj-lt"/>
+              </a:rPr>
+              <a:t>()   </a:t>
+            </a:r>
+            <a:r>
+              <a:rPr lang="pt-BR" sz="2400" dirty="0" err="1">
+                <a:latin typeface="+mj-lt"/>
+              </a:rPr>
+              <a:t>minha_func</a:t>
+            </a:r>
+            <a:r>
+              <a:rPr lang="pt-BR" sz="2400" dirty="0">
+                <a:latin typeface="+mj-lt"/>
+              </a:rPr>
+              <a:t>() </a:t>
             </a:r>
             <a:br>
-              <a:rPr lang="pt-BR" dirty="0"/>
+              <a:rPr lang="pt-BR" sz="2400" dirty="0">
+                <a:latin typeface="+mj-lt"/>
+              </a:rPr>
             </a:br>
             <a:r>
-              <a:rPr lang="pt-BR" dirty="0">
-                <a:solidFill>
-                  <a:schemeClr val="accent3">
-                    <a:lumMod val="75000"/>
-                  </a:schemeClr>
-                </a:solidFill>
-              </a:rPr>
-              <a:t>minhaFuncao() </a:t>
-            </a:r>
-            <a:r>
-              <a:rPr lang="pt-BR" dirty="0"/>
-              <a:t>	</a:t>
-            </a:r>
-            <a:r>
-              <a:rPr lang="pt-BR" dirty="0" err="1"/>
+              <a:rPr lang="pt-BR" sz="2400" dirty="0" err="1">
+                <a:solidFill>
+                  <a:schemeClr val="accent3">
+                    <a:lumMod val="75000"/>
+                  </a:schemeClr>
+                </a:solidFill>
+                <a:latin typeface="+mj-lt"/>
+              </a:rPr>
+              <a:t>minhaFuncao</a:t>
+            </a:r>
+            <a:r>
+              <a:rPr lang="pt-BR" sz="2400" dirty="0">
+                <a:solidFill>
+                  <a:schemeClr val="accent3">
+                    <a:lumMod val="75000"/>
+                  </a:schemeClr>
+                </a:solidFill>
+                <a:latin typeface="+mj-lt"/>
+              </a:rPr>
+              <a:t>()   </a:t>
+            </a:r>
+            <a:r>
+              <a:rPr lang="pt-BR" sz="2400" dirty="0" err="1">
+                <a:latin typeface="+mj-lt"/>
+              </a:rPr>
               <a:t>mf</a:t>
             </a:r>
             <a:r>
-              <a:rPr lang="pt-BR" dirty="0"/>
+              <a:rPr lang="pt-BR" sz="2400" dirty="0">
+                <a:latin typeface="+mj-lt"/>
+              </a:rPr>
               <a:t>()</a:t>
-            </a:r>
-          </a:p>
-          <a:p>
-            <a:endParaRPr lang="pt-BR" dirty="0"/>
-          </a:p>
-          <a:p>
-            <a:r>
-              <a:rPr lang="pt-BR" dirty="0"/>
-              <a:t>Cada programador tem </a:t>
-            </a:r>
-            <a:r>
-              <a:rPr lang="pt-BR" dirty="0">
-                <a:solidFill>
-                  <a:schemeClr val="accent3">
-                    <a:lumMod val="75000"/>
-                  </a:schemeClr>
-                </a:solidFill>
-              </a:rPr>
-              <a:t>preferência por um estilo</a:t>
-            </a:r>
-            <a:r>
-              <a:rPr lang="pt-BR" dirty="0"/>
-              <a:t> </a:t>
-            </a:r>
-          </a:p>
-          <a:p>
-            <a:pPr lvl="1"/>
-            <a:r>
-              <a:rPr lang="pt-BR" dirty="0"/>
-              <a:t>Todos estão corretos</a:t>
-            </a:r>
-          </a:p>
-          <a:p>
-            <a:pPr lvl="1"/>
-            <a:r>
-              <a:rPr lang="pt-BR" dirty="0"/>
-              <a:t>O importante é </a:t>
-            </a:r>
-            <a:r>
-              <a:rPr lang="pt-BR" dirty="0">
-                <a:solidFill>
-                  <a:schemeClr val="accent3">
-                    <a:lumMod val="75000"/>
-                  </a:schemeClr>
-                </a:solidFill>
-              </a:rPr>
-              <a:t>manter o mesmo padrão </a:t>
-            </a:r>
-            <a:r>
-              <a:rPr lang="pt-BR" dirty="0"/>
-              <a:t>em todo o código</a:t>
             </a:r>
           </a:p>
         </p:txBody>
@@ -18395,7 +18900,14 @@
           <a:p>
             <a:r>
               <a:rPr lang="pt-BR" dirty="0"/>
-              <a:t>A biblioteca padrão da linguagem C/C++ possui mais de </a:t>
+              <a:t>A biblioteca padrão da linguagem C/C++ possui </a:t>
+            </a:r>
+            <a:br>
+              <a:rPr lang="pt-BR" dirty="0"/>
+            </a:br>
+            <a:r>
+              <a:rPr lang="pt-BR" dirty="0"/>
+              <a:t>mais de </a:t>
             </a:r>
             <a:r>
               <a:rPr lang="pt-BR" dirty="0">

--- a/Slides/05. Criação de Funções.pptx
+++ b/Slides/05. Criação de Funções.pptx
@@ -158,7 +158,7 @@
 <file path=ppt/revisionInfo.xml><?xml version="1.0" encoding="utf-8"?>
 <p1510:revInfo xmlns:a="http://schemas.openxmlformats.org/drawingml/2006/main" xmlns:r="http://schemas.openxmlformats.org/officeDocument/2006/relationships" xmlns:p1510="http://schemas.microsoft.com/office/powerpoint/2015/10/main">
   <p1510:revLst>
-    <p1510:client id="{2AC12CA8-85B8-44EB-A0F8-78E6E3C5937A}" v="2" dt="2021-03-12T03:18:13.196"/>
+    <p1510:client id="{2AC12CA8-85B8-44EB-A0F8-78E6E3C5937A}" v="7" dt="2021-03-19T06:11:55.927"/>
   </p1510:revLst>
 </p1510:revInfo>
 </file>
@@ -405,8 +405,8 @@
   </pc:docChgLst>
   <pc:docChgLst>
     <pc:chgData name="Judson Santiago" userId="ebb108da2f256286" providerId="LiveId" clId="{2AC12CA8-85B8-44EB-A0F8-78E6E3C5937A}"/>
-    <pc:docChg chg="undo redo custSel modSld">
-      <pc:chgData name="Judson Santiago" userId="ebb108da2f256286" providerId="LiveId" clId="{2AC12CA8-85B8-44EB-A0F8-78E6E3C5937A}" dt="2021-03-12T04:05:38.902" v="198" actId="20577"/>
+    <pc:docChg chg="undo redo custSel modSld modMainMaster">
+      <pc:chgData name="Judson Santiago" userId="ebb108da2f256286" providerId="LiveId" clId="{2AC12CA8-85B8-44EB-A0F8-78E6E3C5937A}" dt="2021-03-19T06:13:02.660" v="204" actId="207"/>
       <pc:docMkLst>
         <pc:docMk/>
       </pc:docMkLst>
@@ -476,6 +476,21 @@
             <pc:docMk/>
             <pc:sldMk cId="0" sldId="277"/>
             <ac:spMk id="5" creationId="{BA603D38-FE9B-428A-AA81-4C378B25ED37}"/>
+          </ac:spMkLst>
+        </pc:spChg>
+      </pc:sldChg>
+      <pc:sldChg chg="modSp mod">
+        <pc:chgData name="Judson Santiago" userId="ebb108da2f256286" providerId="LiveId" clId="{2AC12CA8-85B8-44EB-A0F8-78E6E3C5937A}" dt="2021-03-19T06:13:02.660" v="204" actId="207"/>
+        <pc:sldMkLst>
+          <pc:docMk/>
+          <pc:sldMk cId="0" sldId="284"/>
+        </pc:sldMkLst>
+        <pc:spChg chg="mod">
+          <ac:chgData name="Judson Santiago" userId="ebb108da2f256286" providerId="LiveId" clId="{2AC12CA8-85B8-44EB-A0F8-78E6E3C5937A}" dt="2021-03-19T06:13:02.660" v="204" actId="207"/>
+          <ac:spMkLst>
+            <pc:docMk/>
+            <pc:sldMk cId="0" sldId="284"/>
+            <ac:spMk id="4" creationId="{00000000-0000-0000-0000-000000000000}"/>
           </ac:spMkLst>
         </pc:spChg>
       </pc:sldChg>
@@ -733,6 +748,30 @@
           </ac:spMkLst>
         </pc:spChg>
       </pc:sldChg>
+      <pc:sldMasterChg chg="setBg modSldLayout">
+        <pc:chgData name="Judson Santiago" userId="ebb108da2f256286" providerId="LiveId" clId="{2AC12CA8-85B8-44EB-A0F8-78E6E3C5937A}" dt="2021-03-19T06:12:06.375" v="203" actId="167"/>
+        <pc:sldMasterMkLst>
+          <pc:docMk/>
+          <pc:sldMasterMk cId="0" sldId="2147483660"/>
+        </pc:sldMasterMkLst>
+        <pc:sldLayoutChg chg="addSp modSp mod">
+          <pc:chgData name="Judson Santiago" userId="ebb108da2f256286" providerId="LiveId" clId="{2AC12CA8-85B8-44EB-A0F8-78E6E3C5937A}" dt="2021-03-19T06:12:06.375" v="203" actId="167"/>
+          <pc:sldLayoutMkLst>
+            <pc:docMk/>
+            <pc:sldMasterMk cId="0" sldId="2147483660"/>
+            <pc:sldLayoutMk cId="0" sldId="2147483661"/>
+          </pc:sldLayoutMkLst>
+          <pc:picChg chg="add mod ord">
+            <ac:chgData name="Judson Santiago" userId="ebb108da2f256286" providerId="LiveId" clId="{2AC12CA8-85B8-44EB-A0F8-78E6E3C5937A}" dt="2021-03-19T06:12:06.375" v="203" actId="167"/>
+            <ac:picMkLst>
+              <pc:docMk/>
+              <pc:sldMasterMk cId="0" sldId="2147483660"/>
+              <pc:sldLayoutMk cId="0" sldId="2147483661"/>
+              <ac:picMk id="13" creationId="{743C4FF6-64C9-48B7-A07B-7783452D0A70}"/>
+            </ac:picMkLst>
+          </pc:picChg>
+        </pc:sldLayoutChg>
+      </pc:sldMasterChg>
     </pc:docChg>
   </pc:docChgLst>
 </pc:chgInfo>
@@ -821,7 +860,7 @@
             <a:fld id="{16AEA49D-2535-4933-B734-2986998DA04B}" type="datetimeFigureOut">
               <a:rPr lang="pt-BR" smtClean="0"/>
               <a:pPr/>
-              <a:t>12/03/2021</a:t>
+              <a:t>19/03/2021</a:t>
             </a:fld>
             <a:endParaRPr lang="pt-BR"/>
           </a:p>
@@ -2338,6 +2377,37 @@
           <a:chExt cx="0" cy="0"/>
         </a:xfrm>
       </p:grpSpPr>
+      <p:pic>
+        <p:nvPicPr>
+          <p:cNvPr id="13" name="Picture 3" descr="Rede de tecnologia iluminada em uma tela de fundo escura">
+            <a:extLst>
+              <a:ext uri="{FF2B5EF4-FFF2-40B4-BE49-F238E27FC236}">
+                <a16:creationId xmlns:a16="http://schemas.microsoft.com/office/drawing/2014/main" id="{743C4FF6-64C9-48B7-A07B-7783452D0A70}"/>
+              </a:ext>
+            </a:extLst>
+          </p:cNvPr>
+          <p:cNvPicPr>
+            <a:picLocks noChangeAspect="1"/>
+          </p:cNvPicPr>
+          <p:nvPr userDrawn="1"/>
+        </p:nvPicPr>
+        <p:blipFill rotWithShape="1">
+          <a:blip r:embed="rId2">
+            <a:alphaModFix amt="30000"/>
+          </a:blip>
+          <a:srcRect t="22329"/>
+          <a:stretch/>
+        </p:blipFill>
+        <p:spPr>
+          <a:xfrm flipH="1" flipV="1">
+            <a:off x="487680" y="0"/>
+            <a:ext cx="11704320" cy="6858000"/>
+          </a:xfrm>
+          <a:prstGeom prst="rect">
+            <a:avLst/>
+          </a:prstGeom>
+        </p:spPr>
+      </p:pic>
       <p:sp>
         <p:nvSpPr>
           <p:cNvPr id="28" name="Espaço Reservado para Data 27"/>
@@ -2356,7 +2426,7 @@
             <a:fld id="{10D83AF5-3A59-46F5-8FEC-BB3944BF9F51}" type="datetimeFigureOut">
               <a:rPr lang="pt-BR" smtClean="0"/>
               <a:pPr/>
-              <a:t>12/03/2021</a:t>
+              <a:t>19/03/2021</a:t>
             </a:fld>
             <a:endParaRPr lang="pt-BR"/>
           </a:p>
@@ -2911,7 +2981,7 @@
             <a:fld id="{10D83AF5-3A59-46F5-8FEC-BB3944BF9F51}" type="datetimeFigureOut">
               <a:rPr lang="pt-BR" smtClean="0"/>
               <a:pPr/>
-              <a:t>12/03/2021</a:t>
+              <a:t>19/03/2021</a:t>
             </a:fld>
             <a:endParaRPr lang="pt-BR"/>
           </a:p>
@@ -3088,7 +3158,7 @@
             <a:fld id="{10D83AF5-3A59-46F5-8FEC-BB3944BF9F51}" type="datetimeFigureOut">
               <a:rPr lang="pt-BR" smtClean="0"/>
               <a:pPr/>
-              <a:t>12/03/2021</a:t>
+              <a:t>19/03/2021</a:t>
             </a:fld>
             <a:endParaRPr lang="pt-BR"/>
           </a:p>
@@ -3255,7 +3325,7 @@
             <a:fld id="{10D83AF5-3A59-46F5-8FEC-BB3944BF9F51}" type="datetimeFigureOut">
               <a:rPr lang="pt-BR" smtClean="0"/>
               <a:pPr/>
-              <a:t>12/03/2021</a:t>
+              <a:t>19/03/2021</a:t>
             </a:fld>
             <a:endParaRPr lang="pt-BR"/>
           </a:p>
@@ -4704,7 +4774,7 @@
             <a:fld id="{10D83AF5-3A59-46F5-8FEC-BB3944BF9F51}" type="datetimeFigureOut">
               <a:rPr lang="pt-BR" smtClean="0"/>
               <a:pPr/>
-              <a:t>12/03/2021</a:t>
+              <a:t>19/03/2021</a:t>
             </a:fld>
             <a:endParaRPr lang="pt-BR"/>
           </a:p>
@@ -5286,7 +5356,7 @@
             <a:fld id="{10D83AF5-3A59-46F5-8FEC-BB3944BF9F51}" type="datetimeFigureOut">
               <a:rPr lang="pt-BR" smtClean="0"/>
               <a:pPr/>
-              <a:t>12/03/2021</a:t>
+              <a:t>19/03/2021</a:t>
             </a:fld>
             <a:endParaRPr lang="pt-BR"/>
           </a:p>
@@ -5717,7 +5787,7 @@
             <a:fld id="{10D83AF5-3A59-46F5-8FEC-BB3944BF9F51}" type="datetimeFigureOut">
               <a:rPr lang="pt-BR" smtClean="0"/>
               <a:pPr/>
-              <a:t>12/03/2021</a:t>
+              <a:t>19/03/2021</a:t>
             </a:fld>
             <a:endParaRPr lang="pt-BR"/>
           </a:p>
@@ -6256,7 +6326,7 @@
             <a:fld id="{10D83AF5-3A59-46F5-8FEC-BB3944BF9F51}" type="datetimeFigureOut">
               <a:rPr lang="pt-BR" smtClean="0"/>
               <a:pPr/>
-              <a:t>12/03/2021</a:t>
+              <a:t>19/03/2021</a:t>
             </a:fld>
             <a:endParaRPr lang="pt-BR"/>
           </a:p>
@@ -6348,7 +6418,7 @@
             <a:fld id="{10D83AF5-3A59-46F5-8FEC-BB3944BF9F51}" type="datetimeFigureOut">
               <a:rPr lang="pt-BR" smtClean="0"/>
               <a:pPr/>
-              <a:t>12/03/2021</a:t>
+              <a:t>19/03/2021</a:t>
             </a:fld>
             <a:endParaRPr lang="pt-BR"/>
           </a:p>
@@ -6598,7 +6668,7 @@
             <a:fld id="{10D83AF5-3A59-46F5-8FEC-BB3944BF9F51}" type="datetimeFigureOut">
               <a:rPr lang="pt-BR" smtClean="0"/>
               <a:pPr/>
-              <a:t>12/03/2021</a:t>
+              <a:t>19/03/2021</a:t>
             </a:fld>
             <a:endParaRPr lang="pt-BR"/>
           </a:p>
@@ -7313,7 +7383,7 @@
             <a:fld id="{10D83AF5-3A59-46F5-8FEC-BB3944BF9F51}" type="datetimeFigureOut">
               <a:rPr lang="pt-BR" smtClean="0"/>
               <a:pPr/>
-              <a:t>12/03/2021</a:t>
+              <a:t>19/03/2021</a:t>
             </a:fld>
             <a:endParaRPr lang="pt-BR"/>
           </a:p>
@@ -7384,9 +7454,23 @@
 <p:sldMaster xmlns:a="http://schemas.openxmlformats.org/drawingml/2006/main" xmlns:r="http://schemas.openxmlformats.org/officeDocument/2006/relationships" xmlns:p="http://schemas.openxmlformats.org/presentationml/2006/main">
   <p:cSld>
     <p:bg>
-      <p:bgRef idx="1002">
-        <a:schemeClr val="bg2"/>
-      </p:bgRef>
+      <p:bgPr>
+        <a:gradFill rotWithShape="1">
+          <a:gsLst>
+            <a:gs pos="50000">
+              <a:schemeClr val="bg1">
+                <a:shade val="90000"/>
+                <a:satMod val="375000"/>
+              </a:schemeClr>
+            </a:gs>
+            <a:gs pos="100000">
+              <a:srgbClr val="28415E"/>
+            </a:gs>
+          </a:gsLst>
+          <a:lin ang="5400000" scaled="0"/>
+        </a:gradFill>
+        <a:effectLst/>
+      </p:bgPr>
     </p:bg>
     <p:spTree>
       <p:nvGrpSpPr>
@@ -7580,7 +7664,7 @@
             <a:fld id="{10D83AF5-3A59-46F5-8FEC-BB3944BF9F51}" type="datetimeFigureOut">
               <a:rPr lang="pt-BR" smtClean="0"/>
               <a:pPr/>
-              <a:t>12/03/2021</a:t>
+              <a:t>19/03/2021</a:t>
             </a:fld>
             <a:endParaRPr lang="pt-BR"/>
           </a:p>
@@ -14041,6 +14125,12 @@
             </a:r>
             <a:r>
               <a:rPr lang="pt-BR" sz="1600" b="1" dirty="0">
+                <a:solidFill>
+                  <a:schemeClr val="accent3">
+                    <a:lumMod val="60000"/>
+                    <a:lumOff val="40000"/>
+                  </a:schemeClr>
+                </a:solidFill>
                 <a:latin typeface="+mj-lt"/>
               </a:rPr>
               <a:t>30</a:t>
